--- a/Movie Recommendation System.pptx
+++ b/Movie Recommendation System.pptx
@@ -1,39 +1,48 @@
 
 <file path=ppt/presentation.xml><?xml version="1.0" encoding="utf-8"?>
-<p:presentation xmlns:a="http://schemas.openxmlformats.org/drawingml/2006/main" xmlns:r="http://schemas.openxmlformats.org/officeDocument/2006/relationships" xmlns:p="http://schemas.openxmlformats.org/presentationml/2006/main" saveSubsetFonts="1" embedTrueTypeFonts="true">
+<p:presentation xmlns:a="http://schemas.openxmlformats.org/drawingml/2006/main" xmlns:r="http://schemas.openxmlformats.org/officeDocument/2006/relationships" xmlns:p="http://schemas.openxmlformats.org/presentationml/2006/main" embedTrueTypeFonts="1" saveSubsetFonts="1">
   <p:sldMasterIdLst>
     <p:sldMasterId id="2147483648" r:id="rId1"/>
   </p:sldMasterIdLst>
   <p:sldIdLst>
-    <p:sldId id="256" r:id="rId6"/>
-    <p:sldId id="257" r:id="rId7"/>
-    <p:sldId id="258" r:id="rId8"/>
-    <p:sldId id="259" r:id="rId9"/>
-    <p:sldId id="260" r:id="rId10"/>
-    <p:sldId id="261" r:id="rId11"/>
-    <p:sldId id="262" r:id="rId12"/>
-    <p:sldId id="263" r:id="rId13"/>
-    <p:sldId id="264" r:id="rId14"/>
-    <p:sldId id="265" r:id="rId15"/>
+    <p:sldId id="256" r:id="rId2"/>
+    <p:sldId id="257" r:id="rId3"/>
+    <p:sldId id="258" r:id="rId4"/>
+    <p:sldId id="259" r:id="rId5"/>
+    <p:sldId id="260" r:id="rId6"/>
+    <p:sldId id="261" r:id="rId7"/>
+    <p:sldId id="262" r:id="rId8"/>
+    <p:sldId id="263" r:id="rId9"/>
+    <p:sldId id="264" r:id="rId10"/>
+    <p:sldId id="265" r:id="rId11"/>
   </p:sldIdLst>
   <p:sldSz cx="18288000" cy="10287000"/>
   <p:notesSz cx="6858000" cy="9144000"/>
   <p:embeddedFontLst>
     <p:embeddedFont>
-      <p:font typeface="Montserrat Bold" charset="1" panose="00000800000000000000"/>
-      <p:regular r:id="rId16"/>
+      <p:font typeface="Fira Code" panose="020B0809050000020004" pitchFamily="49" charset="0"/>
+      <p:regular r:id="rId12"/>
     </p:embeddedFont>
     <p:embeddedFont>
-      <p:font typeface="Montserrat" charset="1" panose="00000500000000000000"/>
-      <p:regular r:id="rId17"/>
+      <p:font typeface="Montserrat" pitchFamily="2" charset="77"/>
+      <p:regular r:id="rId13"/>
+      <p:bold r:id="rId14"/>
+      <p:italic r:id="rId15"/>
+      <p:boldItalic r:id="rId16"/>
     </p:embeddedFont>
     <p:embeddedFont>
-      <p:font typeface="Montserrat Semi-Bold" charset="1" panose="00000700000000000000"/>
-      <p:regular r:id="rId18"/>
+      <p:font typeface="Montserrat Bold" pitchFamily="2" charset="77"/>
+      <p:regular r:id="rId17"/>
+      <p:bold r:id="rId18"/>
+      <p:italic r:id="rId19"/>
+      <p:boldItalic r:id="rId20"/>
     </p:embeddedFont>
     <p:embeddedFont>
-      <p:font typeface="Fira Code" charset="1" panose="020B0809050000020004"/>
-      <p:regular r:id="rId19"/>
+      <p:font typeface="Montserrat Semi-Bold" pitchFamily="2" charset="77"/>
+      <p:regular r:id="rId21"/>
+      <p:bold r:id="rId22"/>
+      <p:italic r:id="rId23"/>
+      <p:boldItalic r:id="rId24"/>
     </p:embeddedFont>
   </p:embeddedFontLst>
   <p:defaultTextStyle>
@@ -131,6 +140,22 @@
       </a:defRPr>
     </a:lvl9pPr>
   </p:defaultTextStyle>
+  <p:extLst>
+    <p:ext uri="{EFAFB233-063F-42B5-8137-9DF3F51BA10A}">
+      <p15:sldGuideLst xmlns:p15="http://schemas.microsoft.com/office/powerpoint/2012/main">
+        <p15:guide id="1" orient="horz" pos="2160">
+          <p15:clr>
+            <a:srgbClr val="A4A3A4"/>
+          </p15:clr>
+        </p15:guide>
+        <p15:guide id="2" pos="2880">
+          <p15:clr>
+            <a:srgbClr val="A4A3A4"/>
+          </p15:clr>
+        </p15:guide>
+      </p15:sldGuideLst>
+    </p:ext>
+  </p:extLst>
 </p:presentation>
 </file>
 
@@ -172,10 +197,9 @@
           <a:lstStyle/>
           <a:p>
             <a:r>
-              <a:rPr lang="en-US" smtClean="0"/>
+              <a:rPr lang="en-US"/>
               <a:t>Click to edit Master title style</a:t>
             </a:r>
-            <a:endParaRPr lang="en-US"/>
           </a:p>
         </p:txBody>
       </p:sp>
@@ -291,10 +315,9 @@
           </a:lstStyle>
           <a:p>
             <a:r>
-              <a:rPr lang="en-US" smtClean="0"/>
+              <a:rPr lang="en-US"/>
               <a:t>Click to edit Master subtitle style</a:t>
             </a:r>
-            <a:endParaRPr lang="en-US"/>
           </a:p>
         </p:txBody>
       </p:sp>
@@ -316,7 +339,7 @@
             <a:fld id="{1D8BD707-D9CF-40AE-B4C6-C98DA3205C09}" type="datetimeFigureOut">
               <a:rPr lang="en-US" smtClean="0"/>
               <a:pPr/>
-              <a:t>8/1/2011</a:t>
+              <a:t>1/17/26</a:t>
             </a:fld>
             <a:endParaRPr lang="en-US"/>
           </a:p>
@@ -406,10 +429,9 @@
           <a:lstStyle/>
           <a:p>
             <a:r>
-              <a:rPr lang="en-US" smtClean="0"/>
+              <a:rPr lang="en-US"/>
               <a:t>Click to edit Master title style</a:t>
             </a:r>
-            <a:endParaRPr lang="en-US"/>
           </a:p>
         </p:txBody>
       </p:sp>
@@ -430,38 +452,37 @@
           <a:p>
             <a:pPr lvl="0"/>
             <a:r>
-              <a:rPr lang="en-US" smtClean="0"/>
+              <a:rPr lang="en-US"/>
               <a:t>Click to edit Master text styles</a:t>
             </a:r>
           </a:p>
           <a:p>
             <a:pPr lvl="1"/>
             <a:r>
-              <a:rPr lang="en-US" smtClean="0"/>
+              <a:rPr lang="en-US"/>
               <a:t>Second level</a:t>
             </a:r>
           </a:p>
           <a:p>
             <a:pPr lvl="2"/>
             <a:r>
-              <a:rPr lang="en-US" smtClean="0"/>
+              <a:rPr lang="en-US"/>
               <a:t>Third level</a:t>
             </a:r>
           </a:p>
           <a:p>
             <a:pPr lvl="3"/>
             <a:r>
-              <a:rPr lang="en-US" smtClean="0"/>
+              <a:rPr lang="en-US"/>
               <a:t>Fourth level</a:t>
             </a:r>
           </a:p>
           <a:p>
             <a:pPr lvl="4"/>
             <a:r>
-              <a:rPr lang="en-US" smtClean="0"/>
+              <a:rPr lang="en-US"/>
               <a:t>Fifth level</a:t>
             </a:r>
-            <a:endParaRPr lang="en-US"/>
           </a:p>
         </p:txBody>
       </p:sp>
@@ -483,7 +504,7 @@
             <a:fld id="{1D8BD707-D9CF-40AE-B4C6-C98DA3205C09}" type="datetimeFigureOut">
               <a:rPr lang="en-US" smtClean="0"/>
               <a:pPr/>
-              <a:t>8/1/2011</a:t>
+              <a:t>1/17/26</a:t>
             </a:fld>
             <a:endParaRPr lang="en-US"/>
           </a:p>
@@ -578,10 +599,9 @@
           <a:lstStyle/>
           <a:p>
             <a:r>
-              <a:rPr lang="en-US" smtClean="0"/>
+              <a:rPr lang="en-US"/>
               <a:t>Click to edit Master title style</a:t>
             </a:r>
-            <a:endParaRPr lang="en-US"/>
           </a:p>
         </p:txBody>
       </p:sp>
@@ -607,38 +627,37 @@
           <a:p>
             <a:pPr lvl="0"/>
             <a:r>
-              <a:rPr lang="en-US" smtClean="0"/>
+              <a:rPr lang="en-US"/>
               <a:t>Click to edit Master text styles</a:t>
             </a:r>
           </a:p>
           <a:p>
             <a:pPr lvl="1"/>
             <a:r>
-              <a:rPr lang="en-US" smtClean="0"/>
+              <a:rPr lang="en-US"/>
               <a:t>Second level</a:t>
             </a:r>
           </a:p>
           <a:p>
             <a:pPr lvl="2"/>
             <a:r>
-              <a:rPr lang="en-US" smtClean="0"/>
+              <a:rPr lang="en-US"/>
               <a:t>Third level</a:t>
             </a:r>
           </a:p>
           <a:p>
             <a:pPr lvl="3"/>
             <a:r>
-              <a:rPr lang="en-US" smtClean="0"/>
+              <a:rPr lang="en-US"/>
               <a:t>Fourth level</a:t>
             </a:r>
           </a:p>
           <a:p>
             <a:pPr lvl="4"/>
             <a:r>
-              <a:rPr lang="en-US" smtClean="0"/>
+              <a:rPr lang="en-US"/>
               <a:t>Fifth level</a:t>
             </a:r>
-            <a:endParaRPr lang="en-US"/>
           </a:p>
         </p:txBody>
       </p:sp>
@@ -660,7 +679,7 @@
             <a:fld id="{1D8BD707-D9CF-40AE-B4C6-C98DA3205C09}" type="datetimeFigureOut">
               <a:rPr lang="en-US" smtClean="0"/>
               <a:pPr/>
-              <a:t>8/1/2011</a:t>
+              <a:t>1/17/26</a:t>
             </a:fld>
             <a:endParaRPr lang="en-US"/>
           </a:p>
@@ -750,10 +769,9 @@
           <a:lstStyle/>
           <a:p>
             <a:r>
-              <a:rPr lang="en-US" smtClean="0"/>
+              <a:rPr lang="en-US"/>
               <a:t>Click to edit Master title style</a:t>
             </a:r>
-            <a:endParaRPr lang="en-US"/>
           </a:p>
         </p:txBody>
       </p:sp>
@@ -774,38 +792,37 @@
           <a:p>
             <a:pPr lvl="0"/>
             <a:r>
-              <a:rPr lang="en-US" smtClean="0"/>
+              <a:rPr lang="en-US"/>
               <a:t>Click to edit Master text styles</a:t>
             </a:r>
           </a:p>
           <a:p>
             <a:pPr lvl="1"/>
             <a:r>
-              <a:rPr lang="en-US" smtClean="0"/>
+              <a:rPr lang="en-US"/>
               <a:t>Second level</a:t>
             </a:r>
           </a:p>
           <a:p>
             <a:pPr lvl="2"/>
             <a:r>
-              <a:rPr lang="en-US" smtClean="0"/>
+              <a:rPr lang="en-US"/>
               <a:t>Third level</a:t>
             </a:r>
           </a:p>
           <a:p>
             <a:pPr lvl="3"/>
             <a:r>
-              <a:rPr lang="en-US" smtClean="0"/>
+              <a:rPr lang="en-US"/>
               <a:t>Fourth level</a:t>
             </a:r>
           </a:p>
           <a:p>
             <a:pPr lvl="4"/>
             <a:r>
-              <a:rPr lang="en-US" smtClean="0"/>
+              <a:rPr lang="en-US"/>
               <a:t>Fifth level</a:t>
             </a:r>
-            <a:endParaRPr lang="en-US"/>
           </a:p>
         </p:txBody>
       </p:sp>
@@ -827,7 +844,7 @@
             <a:fld id="{1D8BD707-D9CF-40AE-B4C6-C98DA3205C09}" type="datetimeFigureOut">
               <a:rPr lang="en-US" smtClean="0"/>
               <a:pPr/>
-              <a:t>8/1/2011</a:t>
+              <a:t>1/17/26</a:t>
             </a:fld>
             <a:endParaRPr lang="en-US"/>
           </a:p>
@@ -926,10 +943,9 @@
           </a:lstStyle>
           <a:p>
             <a:r>
-              <a:rPr lang="en-US" smtClean="0"/>
+              <a:rPr lang="en-US"/>
               <a:t>Click to edit Master title style</a:t>
             </a:r>
-            <a:endParaRPr lang="en-US"/>
           </a:p>
         </p:txBody>
       </p:sp>
@@ -1046,7 +1062,7 @@
           <a:p>
             <a:pPr lvl="0"/>
             <a:r>
-              <a:rPr lang="en-US" smtClean="0"/>
+              <a:rPr lang="en-US"/>
               <a:t>Click to edit Master text styles</a:t>
             </a:r>
           </a:p>
@@ -1070,7 +1086,7 @@
             <a:fld id="{1D8BD707-D9CF-40AE-B4C6-C98DA3205C09}" type="datetimeFigureOut">
               <a:rPr lang="en-US" smtClean="0"/>
               <a:pPr/>
-              <a:t>8/1/2011</a:t>
+              <a:t>1/17/26</a:t>
             </a:fld>
             <a:endParaRPr lang="en-US"/>
           </a:p>
@@ -1160,10 +1176,9 @@
           <a:lstStyle/>
           <a:p>
             <a:r>
-              <a:rPr lang="en-US" smtClean="0"/>
+              <a:rPr lang="en-US"/>
               <a:t>Click to edit Master title style</a:t>
             </a:r>
-            <a:endParaRPr lang="en-US"/>
           </a:p>
         </p:txBody>
       </p:sp>
@@ -1217,38 +1232,37 @@
           <a:p>
             <a:pPr lvl="0"/>
             <a:r>
-              <a:rPr lang="en-US" smtClean="0"/>
+              <a:rPr lang="en-US"/>
               <a:t>Click to edit Master text styles</a:t>
             </a:r>
           </a:p>
           <a:p>
             <a:pPr lvl="1"/>
             <a:r>
-              <a:rPr lang="en-US" smtClean="0"/>
+              <a:rPr lang="en-US"/>
               <a:t>Second level</a:t>
             </a:r>
           </a:p>
           <a:p>
             <a:pPr lvl="2"/>
             <a:r>
-              <a:rPr lang="en-US" smtClean="0"/>
+              <a:rPr lang="en-US"/>
               <a:t>Third level</a:t>
             </a:r>
           </a:p>
           <a:p>
             <a:pPr lvl="3"/>
             <a:r>
-              <a:rPr lang="en-US" smtClean="0"/>
+              <a:rPr lang="en-US"/>
               <a:t>Fourth level</a:t>
             </a:r>
           </a:p>
           <a:p>
             <a:pPr lvl="4"/>
             <a:r>
-              <a:rPr lang="en-US" smtClean="0"/>
+              <a:rPr lang="en-US"/>
               <a:t>Fifth level</a:t>
             </a:r>
-            <a:endParaRPr lang="en-US"/>
           </a:p>
         </p:txBody>
       </p:sp>
@@ -1302,38 +1316,37 @@
           <a:p>
             <a:pPr lvl="0"/>
             <a:r>
-              <a:rPr lang="en-US" smtClean="0"/>
+              <a:rPr lang="en-US"/>
               <a:t>Click to edit Master text styles</a:t>
             </a:r>
           </a:p>
           <a:p>
             <a:pPr lvl="1"/>
             <a:r>
-              <a:rPr lang="en-US" smtClean="0"/>
+              <a:rPr lang="en-US"/>
               <a:t>Second level</a:t>
             </a:r>
           </a:p>
           <a:p>
             <a:pPr lvl="2"/>
             <a:r>
-              <a:rPr lang="en-US" smtClean="0"/>
+              <a:rPr lang="en-US"/>
               <a:t>Third level</a:t>
             </a:r>
           </a:p>
           <a:p>
             <a:pPr lvl="3"/>
             <a:r>
-              <a:rPr lang="en-US" smtClean="0"/>
+              <a:rPr lang="en-US"/>
               <a:t>Fourth level</a:t>
             </a:r>
           </a:p>
           <a:p>
             <a:pPr lvl="4"/>
             <a:r>
-              <a:rPr lang="en-US" smtClean="0"/>
+              <a:rPr lang="en-US"/>
               <a:t>Fifth level</a:t>
             </a:r>
-            <a:endParaRPr lang="en-US"/>
           </a:p>
         </p:txBody>
       </p:sp>
@@ -1355,7 +1368,7 @@
             <a:fld id="{1D8BD707-D9CF-40AE-B4C6-C98DA3205C09}" type="datetimeFigureOut">
               <a:rPr lang="en-US" smtClean="0"/>
               <a:pPr/>
-              <a:t>8/1/2011</a:t>
+              <a:t>1/17/26</a:t>
             </a:fld>
             <a:endParaRPr lang="en-US"/>
           </a:p>
@@ -1449,10 +1462,9 @@
           </a:lstStyle>
           <a:p>
             <a:r>
-              <a:rPr lang="en-US" smtClean="0"/>
+              <a:rPr lang="en-US"/>
               <a:t>Click to edit Master title style</a:t>
             </a:r>
-            <a:endParaRPr lang="en-US"/>
           </a:p>
         </p:txBody>
       </p:sp>
@@ -1515,7 +1527,7 @@
           <a:p>
             <a:pPr lvl="0"/>
             <a:r>
-              <a:rPr lang="en-US" smtClean="0"/>
+              <a:rPr lang="en-US"/>
               <a:t>Click to edit Master text styles</a:t>
             </a:r>
           </a:p>
@@ -1571,38 +1583,37 @@
           <a:p>
             <a:pPr lvl="0"/>
             <a:r>
-              <a:rPr lang="en-US" smtClean="0"/>
+              <a:rPr lang="en-US"/>
               <a:t>Click to edit Master text styles</a:t>
             </a:r>
           </a:p>
           <a:p>
             <a:pPr lvl="1"/>
             <a:r>
-              <a:rPr lang="en-US" smtClean="0"/>
+              <a:rPr lang="en-US"/>
               <a:t>Second level</a:t>
             </a:r>
           </a:p>
           <a:p>
             <a:pPr lvl="2"/>
             <a:r>
-              <a:rPr lang="en-US" smtClean="0"/>
+              <a:rPr lang="en-US"/>
               <a:t>Third level</a:t>
             </a:r>
           </a:p>
           <a:p>
             <a:pPr lvl="3"/>
             <a:r>
-              <a:rPr lang="en-US" smtClean="0"/>
+              <a:rPr lang="en-US"/>
               <a:t>Fourth level</a:t>
             </a:r>
           </a:p>
           <a:p>
             <a:pPr lvl="4"/>
             <a:r>
-              <a:rPr lang="en-US" smtClean="0"/>
+              <a:rPr lang="en-US"/>
               <a:t>Fifth level</a:t>
             </a:r>
-            <a:endParaRPr lang="en-US"/>
           </a:p>
         </p:txBody>
       </p:sp>
@@ -1665,7 +1676,7 @@
           <a:p>
             <a:pPr lvl="0"/>
             <a:r>
-              <a:rPr lang="en-US" smtClean="0"/>
+              <a:rPr lang="en-US"/>
               <a:t>Click to edit Master text styles</a:t>
             </a:r>
           </a:p>
@@ -1721,38 +1732,37 @@
           <a:p>
             <a:pPr lvl="0"/>
             <a:r>
-              <a:rPr lang="en-US" smtClean="0"/>
+              <a:rPr lang="en-US"/>
               <a:t>Click to edit Master text styles</a:t>
             </a:r>
           </a:p>
           <a:p>
             <a:pPr lvl="1"/>
             <a:r>
-              <a:rPr lang="en-US" smtClean="0"/>
+              <a:rPr lang="en-US"/>
               <a:t>Second level</a:t>
             </a:r>
           </a:p>
           <a:p>
             <a:pPr lvl="2"/>
             <a:r>
-              <a:rPr lang="en-US" smtClean="0"/>
+              <a:rPr lang="en-US"/>
               <a:t>Third level</a:t>
             </a:r>
           </a:p>
           <a:p>
             <a:pPr lvl="3"/>
             <a:r>
-              <a:rPr lang="en-US" smtClean="0"/>
+              <a:rPr lang="en-US"/>
               <a:t>Fourth level</a:t>
             </a:r>
           </a:p>
           <a:p>
             <a:pPr lvl="4"/>
             <a:r>
-              <a:rPr lang="en-US" smtClean="0"/>
+              <a:rPr lang="en-US"/>
               <a:t>Fifth level</a:t>
             </a:r>
-            <a:endParaRPr lang="en-US"/>
           </a:p>
         </p:txBody>
       </p:sp>
@@ -1774,7 +1784,7 @@
             <a:fld id="{1D8BD707-D9CF-40AE-B4C6-C98DA3205C09}" type="datetimeFigureOut">
               <a:rPr lang="en-US" smtClean="0"/>
               <a:pPr/>
-              <a:t>8/1/2011</a:t>
+              <a:t>1/17/26</a:t>
             </a:fld>
             <a:endParaRPr lang="en-US"/>
           </a:p>
@@ -1864,10 +1874,9 @@
           <a:lstStyle/>
           <a:p>
             <a:r>
-              <a:rPr lang="en-US" smtClean="0"/>
+              <a:rPr lang="en-US"/>
               <a:t>Click to edit Master title style</a:t>
             </a:r>
-            <a:endParaRPr lang="en-US"/>
           </a:p>
         </p:txBody>
       </p:sp>
@@ -1889,7 +1898,7 @@
             <a:fld id="{1D8BD707-D9CF-40AE-B4C6-C98DA3205C09}" type="datetimeFigureOut">
               <a:rPr lang="en-US" smtClean="0"/>
               <a:pPr/>
-              <a:t>8/1/2011</a:t>
+              <a:t>1/17/26</a:t>
             </a:fld>
             <a:endParaRPr lang="en-US"/>
           </a:p>
@@ -1981,7 +1990,7 @@
             <a:fld id="{1D8BD707-D9CF-40AE-B4C6-C98DA3205C09}" type="datetimeFigureOut">
               <a:rPr lang="en-US" smtClean="0"/>
               <a:pPr/>
-              <a:t>8/1/2011</a:t>
+              <a:t>1/17/26</a:t>
             </a:fld>
             <a:endParaRPr lang="en-US"/>
           </a:p>
@@ -2080,10 +2089,9 @@
           </a:lstStyle>
           <a:p>
             <a:r>
-              <a:rPr lang="en-US" smtClean="0"/>
+              <a:rPr lang="en-US"/>
               <a:t>Click to edit Master title style</a:t>
             </a:r>
-            <a:endParaRPr lang="en-US"/>
           </a:p>
         </p:txBody>
       </p:sp>
@@ -2137,38 +2145,37 @@
           <a:p>
             <a:pPr lvl="0"/>
             <a:r>
-              <a:rPr lang="en-US" smtClean="0"/>
+              <a:rPr lang="en-US"/>
               <a:t>Click to edit Master text styles</a:t>
             </a:r>
           </a:p>
           <a:p>
             <a:pPr lvl="1"/>
             <a:r>
-              <a:rPr lang="en-US" smtClean="0"/>
+              <a:rPr lang="en-US"/>
               <a:t>Second level</a:t>
             </a:r>
           </a:p>
           <a:p>
             <a:pPr lvl="2"/>
             <a:r>
-              <a:rPr lang="en-US" smtClean="0"/>
+              <a:rPr lang="en-US"/>
               <a:t>Third level</a:t>
             </a:r>
           </a:p>
           <a:p>
             <a:pPr lvl="3"/>
             <a:r>
-              <a:rPr lang="en-US" smtClean="0"/>
+              <a:rPr lang="en-US"/>
               <a:t>Fourth level</a:t>
             </a:r>
           </a:p>
           <a:p>
             <a:pPr lvl="4"/>
             <a:r>
-              <a:rPr lang="en-US" smtClean="0"/>
+              <a:rPr lang="en-US"/>
               <a:t>Fifth level</a:t>
             </a:r>
-            <a:endParaRPr lang="en-US"/>
           </a:p>
         </p:txBody>
       </p:sp>
@@ -2231,7 +2238,7 @@
           <a:p>
             <a:pPr lvl="0"/>
             <a:r>
-              <a:rPr lang="en-US" smtClean="0"/>
+              <a:rPr lang="en-US"/>
               <a:t>Click to edit Master text styles</a:t>
             </a:r>
           </a:p>
@@ -2255,7 +2262,7 @@
             <a:fld id="{1D8BD707-D9CF-40AE-B4C6-C98DA3205C09}" type="datetimeFigureOut">
               <a:rPr lang="en-US" smtClean="0"/>
               <a:pPr/>
-              <a:t>8/1/2011</a:t>
+              <a:t>1/17/26</a:t>
             </a:fld>
             <a:endParaRPr lang="en-US"/>
           </a:p>
@@ -2354,10 +2361,9 @@
           </a:lstStyle>
           <a:p>
             <a:r>
-              <a:rPr lang="en-US" smtClean="0"/>
+              <a:rPr lang="en-US"/>
               <a:t>Click to edit Master title style</a:t>
             </a:r>
-            <a:endParaRPr lang="en-US"/>
           </a:p>
         </p:txBody>
       </p:sp>
@@ -2481,7 +2487,7 @@
           <a:p>
             <a:pPr lvl="0"/>
             <a:r>
-              <a:rPr lang="en-US" smtClean="0"/>
+              <a:rPr lang="en-US"/>
               <a:t>Click to edit Master text styles</a:t>
             </a:r>
           </a:p>
@@ -2505,7 +2511,7 @@
             <a:fld id="{1D8BD707-D9CF-40AE-B4C6-C98DA3205C09}" type="datetimeFigureOut">
               <a:rPr lang="en-US" smtClean="0"/>
               <a:pPr/>
-              <a:t>8/1/2011</a:t>
+              <a:t>1/17/26</a:t>
             </a:fld>
             <a:endParaRPr lang="en-US"/>
           </a:p>
@@ -2610,10 +2616,9 @@
           <a:lstStyle/>
           <a:p>
             <a:r>
-              <a:rPr lang="en-US" smtClean="0"/>
+              <a:rPr lang="en-US"/>
               <a:t>Click to edit Master title style</a:t>
             </a:r>
-            <a:endParaRPr lang="en-US"/>
           </a:p>
         </p:txBody>
       </p:sp>
@@ -2644,38 +2649,37 @@
           <a:p>
             <a:pPr lvl="0"/>
             <a:r>
-              <a:rPr lang="en-US" smtClean="0"/>
+              <a:rPr lang="en-US"/>
               <a:t>Click to edit Master text styles</a:t>
             </a:r>
           </a:p>
           <a:p>
             <a:pPr lvl="1"/>
             <a:r>
-              <a:rPr lang="en-US" smtClean="0"/>
+              <a:rPr lang="en-US"/>
               <a:t>Second level</a:t>
             </a:r>
           </a:p>
           <a:p>
             <a:pPr lvl="2"/>
             <a:r>
-              <a:rPr lang="en-US" smtClean="0"/>
+              <a:rPr lang="en-US"/>
               <a:t>Third level</a:t>
             </a:r>
           </a:p>
           <a:p>
             <a:pPr lvl="3"/>
             <a:r>
-              <a:rPr lang="en-US" smtClean="0"/>
+              <a:rPr lang="en-US"/>
               <a:t>Fourth level</a:t>
             </a:r>
           </a:p>
           <a:p>
             <a:pPr lvl="4"/>
             <a:r>
-              <a:rPr lang="en-US" smtClean="0"/>
+              <a:rPr lang="en-US"/>
               <a:t>Fifth level</a:t>
             </a:r>
-            <a:endParaRPr lang="en-US"/>
           </a:p>
         </p:txBody>
       </p:sp>
@@ -2715,7 +2719,7 @@
             <a:fld id="{1D8BD707-D9CF-40AE-B4C6-C98DA3205C09}" type="datetimeFigureOut">
               <a:rPr lang="en-US" smtClean="0"/>
               <a:pPr/>
-              <a:t>8/1/2011</a:t>
+              <a:t>1/17/26</a:t>
             </a:fld>
             <a:endParaRPr lang="en-US"/>
           </a:p>
@@ -3070,7 +3074,7 @@
 </file>
 
 <file path=ppt/slides/slide1.xml><?xml version="1.0" encoding="utf-8"?>
-<p:sld xmlns:p="http://schemas.openxmlformats.org/presentationml/2006/main" xmlns:a="http://schemas.openxmlformats.org/drawingml/2006/main">
+<p:sld xmlns:a="http://schemas.openxmlformats.org/drawingml/2006/main" xmlns:r="http://schemas.openxmlformats.org/officeDocument/2006/relationships" xmlns:p="http://schemas.openxmlformats.org/presentationml/2006/main">
   <p:cSld>
     <p:spTree>
       <p:nvGrpSpPr>
@@ -3088,12 +3092,12 @@
       </p:grpSpPr>
       <p:sp>
         <p:nvSpPr>
-          <p:cNvPr name="TextBox 2" id="2"/>
-          <p:cNvSpPr txBox="true"/>
+          <p:cNvPr id="2" name="TextBox 2"/>
+          <p:cNvSpPr txBox="1"/>
           <p:nvPr/>
         </p:nvSpPr>
         <p:spPr>
-          <a:xfrm rot="0">
+          <a:xfrm>
             <a:off x="770853" y="3839093"/>
             <a:ext cx="16746293" cy="1009650"/>
           </a:xfrm>
@@ -3102,7 +3106,7 @@
           </a:prstGeom>
         </p:spPr>
         <p:txBody>
-          <a:bodyPr anchor="t" rtlCol="false" tIns="0" lIns="0" bIns="0" rIns="0">
+          <a:bodyPr lIns="0" tIns="0" rIns="0" bIns="0" rtlCol="0" anchor="t">
             <a:spAutoFit/>
           </a:bodyPr>
           <a:lstStyle/>
@@ -3113,7 +3117,7 @@
               </a:lnSpc>
             </a:pPr>
             <a:r>
-              <a:rPr lang="en-US" sz="6605" b="true">
+              <a:rPr lang="en-US" sz="6605" b="1">
                 <a:solidFill>
                   <a:srgbClr val="000000"/>
                 </a:solidFill>
@@ -3129,12 +3133,12 @@
       </p:sp>
       <p:sp>
         <p:nvSpPr>
-          <p:cNvPr name="TextBox 3" id="3"/>
-          <p:cNvSpPr txBox="true"/>
+          <p:cNvPr id="3" name="TextBox 3"/>
+          <p:cNvSpPr txBox="1"/>
           <p:nvPr/>
         </p:nvSpPr>
         <p:spPr>
-          <a:xfrm rot="0">
+          <a:xfrm>
             <a:off x="770853" y="5100638"/>
             <a:ext cx="16746293" cy="542925"/>
           </a:xfrm>
@@ -3143,7 +3147,7 @@
           </a:prstGeom>
         </p:spPr>
         <p:txBody>
-          <a:bodyPr anchor="t" rtlCol="false" tIns="0" lIns="0" bIns="0" rIns="0">
+          <a:bodyPr lIns="0" tIns="0" rIns="0" bIns="0" rtlCol="0" anchor="t">
             <a:spAutoFit/>
           </a:bodyPr>
           <a:lstStyle/>
@@ -3170,12 +3174,12 @@
       </p:sp>
       <p:sp>
         <p:nvSpPr>
-          <p:cNvPr name="TextBox 4" id="4"/>
-          <p:cNvSpPr txBox="true"/>
+          <p:cNvPr id="4" name="TextBox 4"/>
+          <p:cNvSpPr txBox="1"/>
           <p:nvPr/>
         </p:nvSpPr>
         <p:spPr>
-          <a:xfrm rot="0">
+          <a:xfrm>
             <a:off x="770853" y="5895457"/>
             <a:ext cx="16746293" cy="542925"/>
           </a:xfrm>
@@ -3184,7 +3188,7 @@
           </a:prstGeom>
         </p:spPr>
         <p:txBody>
-          <a:bodyPr anchor="t" rtlCol="false" tIns="0" lIns="0" bIns="0" rIns="0">
+          <a:bodyPr lIns="0" tIns="0" rIns="0" bIns="0" rtlCol="0" anchor="t">
             <a:spAutoFit/>
           </a:bodyPr>
           <a:lstStyle/>
@@ -3195,7 +3199,7 @@
               </a:lnSpc>
             </a:pPr>
             <a:r>
-              <a:rPr lang="en-US" sz="3602" b="true">
+              <a:rPr lang="en-US" sz="3602" b="1">
                 <a:solidFill>
                   <a:srgbClr val="000000"/>
                 </a:solidFill>
@@ -3204,19 +3208,7 @@
                 <a:cs typeface="Montserrat Bold"/>
                 <a:sym typeface="Montserrat Bold"/>
               </a:rPr>
-              <a:t>S</a:t>
-            </a:r>
-            <a:r>
-              <a:rPr lang="en-US" sz="3602" b="true">
-                <a:solidFill>
-                  <a:srgbClr val="000000"/>
-                </a:solidFill>
-                <a:latin typeface="Montserrat Bold"/>
-                <a:ea typeface="Montserrat Bold"/>
-                <a:cs typeface="Montserrat Bold"/>
-                <a:sym typeface="Montserrat Bold"/>
-              </a:rPr>
-              <a:t>elvendran S - iitrpr_ai_25010587</a:t>
+              <a:t>Selvendran S - iitrpr_ai_25010587</a:t>
             </a:r>
           </a:p>
         </p:txBody>
@@ -3230,7 +3222,7 @@
 </file>
 
 <file path=ppt/slides/slide10.xml><?xml version="1.0" encoding="utf-8"?>
-<p:sld xmlns:p="http://schemas.openxmlformats.org/presentationml/2006/main" xmlns:a="http://schemas.openxmlformats.org/drawingml/2006/main">
+<p:sld xmlns:a="http://schemas.openxmlformats.org/drawingml/2006/main" xmlns:r="http://schemas.openxmlformats.org/officeDocument/2006/relationships" xmlns:p="http://schemas.openxmlformats.org/presentationml/2006/main">
   <p:cSld>
     <p:spTree>
       <p:nvGrpSpPr>
@@ -3248,12 +3240,12 @@
       </p:grpSpPr>
       <p:sp>
         <p:nvSpPr>
-          <p:cNvPr name="TextBox 2" id="2"/>
-          <p:cNvSpPr txBox="true"/>
+          <p:cNvPr id="2" name="TextBox 2"/>
+          <p:cNvSpPr txBox="1"/>
           <p:nvPr/>
         </p:nvSpPr>
         <p:spPr>
-          <a:xfrm rot="0">
+          <a:xfrm>
             <a:off x="777773" y="447999"/>
             <a:ext cx="16746293" cy="847725"/>
           </a:xfrm>
@@ -3262,7 +3254,7 @@
           </a:prstGeom>
         </p:spPr>
         <p:txBody>
-          <a:bodyPr anchor="t" rtlCol="false" tIns="0" lIns="0" bIns="0" rIns="0">
+          <a:bodyPr lIns="0" tIns="0" rIns="0" bIns="0" rtlCol="0" anchor="t">
             <a:spAutoFit/>
           </a:bodyPr>
           <a:lstStyle/>
@@ -3273,7 +3265,7 @@
               </a:lnSpc>
             </a:pPr>
             <a:r>
-              <a:rPr lang="en-US" sz="5503" b="true">
+              <a:rPr lang="en-US" sz="5503" b="1">
                 <a:solidFill>
                   <a:srgbClr val="000000"/>
                 </a:solidFill>
@@ -3289,12 +3281,12 @@
       </p:sp>
       <p:sp>
         <p:nvSpPr>
-          <p:cNvPr name="TextBox 3" id="3"/>
-          <p:cNvSpPr txBox="true"/>
+          <p:cNvPr id="3" name="TextBox 3"/>
+          <p:cNvSpPr txBox="1"/>
           <p:nvPr/>
         </p:nvSpPr>
         <p:spPr>
-          <a:xfrm rot="0">
+          <a:xfrm>
             <a:off x="777773" y="7319824"/>
             <a:ext cx="16746293" cy="409575"/>
           </a:xfrm>
@@ -3303,7 +3295,7 @@
           </a:prstGeom>
         </p:spPr>
         <p:txBody>
-          <a:bodyPr anchor="t" rtlCol="false" tIns="0" lIns="0" bIns="0" rIns="0">
+          <a:bodyPr lIns="0" tIns="0" rIns="0" bIns="0" rtlCol="0" anchor="t">
             <a:spAutoFit/>
           </a:bodyPr>
           <a:lstStyle/>
@@ -3330,26 +3322,26 @@
       </p:sp>
       <p:sp>
         <p:nvSpPr>
-          <p:cNvPr name="TextBox 4" id="4"/>
-          <p:cNvSpPr txBox="true"/>
+          <p:cNvPr id="4" name="TextBox 4"/>
+          <p:cNvSpPr txBox="1"/>
           <p:nvPr/>
         </p:nvSpPr>
         <p:spPr>
-          <a:xfrm rot="0">
-            <a:off x="827817" y="1815821"/>
-            <a:ext cx="4781178" cy="714375"/>
+          <a:xfrm>
+            <a:off x="827816" y="1815821"/>
+            <a:ext cx="5268183" cy="710003"/>
           </a:xfrm>
           <a:prstGeom prst="rect">
             <a:avLst/>
           </a:prstGeom>
         </p:spPr>
         <p:txBody>
-          <a:bodyPr anchor="t" rtlCol="false" tIns="0" lIns="0" bIns="0" rIns="0">
+          <a:bodyPr wrap="square" lIns="0" tIns="0" rIns="0" bIns="0" rtlCol="0" anchor="t">
             <a:spAutoFit/>
           </a:bodyPr>
           <a:lstStyle/>
           <a:p>
-            <a:pPr algn="ctr">
+            <a:pPr>
               <a:lnSpc>
                 <a:spcPts val="5764"/>
               </a:lnSpc>
@@ -3358,7 +3350,7 @@
               </a:spcBef>
             </a:pPr>
             <a:r>
-              <a:rPr lang="en-US" b="true" sz="4803">
+              <a:rPr lang="en-US" sz="4803" b="1" dirty="0">
                 <a:solidFill>
                   <a:srgbClr val="000000"/>
                 </a:solidFill>
@@ -3374,12 +3366,12 @@
       </p:sp>
       <p:sp>
         <p:nvSpPr>
-          <p:cNvPr name="TextBox 5" id="5"/>
-          <p:cNvSpPr txBox="true"/>
+          <p:cNvPr id="5" name="TextBox 5"/>
+          <p:cNvSpPr txBox="1"/>
           <p:nvPr/>
         </p:nvSpPr>
         <p:spPr>
-          <a:xfrm rot="0">
+          <a:xfrm>
             <a:off x="770853" y="2718180"/>
             <a:ext cx="16746293" cy="1228725"/>
           </a:xfrm>
@@ -3388,7 +3380,7 @@
           </a:prstGeom>
         </p:spPr>
         <p:txBody>
-          <a:bodyPr anchor="t" rtlCol="false" tIns="0" lIns="0" bIns="0" rIns="0">
+          <a:bodyPr lIns="0" tIns="0" rIns="0" bIns="0" rtlCol="0" anchor="t">
             <a:spAutoFit/>
           </a:bodyPr>
           <a:lstStyle/>
@@ -3453,26 +3445,26 @@
       </p:sp>
       <p:sp>
         <p:nvSpPr>
-          <p:cNvPr name="TextBox 6" id="6"/>
-          <p:cNvSpPr txBox="true"/>
+          <p:cNvPr id="6" name="TextBox 6"/>
+          <p:cNvSpPr txBox="1"/>
           <p:nvPr/>
         </p:nvSpPr>
         <p:spPr>
-          <a:xfrm rot="0">
-            <a:off x="814087" y="4318914"/>
-            <a:ext cx="3698900" cy="714375"/>
+          <a:xfrm>
+            <a:off x="814086" y="4318914"/>
+            <a:ext cx="3986513" cy="714375"/>
           </a:xfrm>
           <a:prstGeom prst="rect">
             <a:avLst/>
           </a:prstGeom>
         </p:spPr>
         <p:txBody>
-          <a:bodyPr anchor="t" rtlCol="false" tIns="0" lIns="0" bIns="0" rIns="0">
+          <a:bodyPr wrap="square" lIns="0" tIns="0" rIns="0" bIns="0" rtlCol="0" anchor="t">
             <a:spAutoFit/>
           </a:bodyPr>
           <a:lstStyle/>
           <a:p>
-            <a:pPr algn="ctr">
+            <a:pPr>
               <a:lnSpc>
                 <a:spcPts val="5764"/>
               </a:lnSpc>
@@ -3481,7 +3473,7 @@
               </a:spcBef>
             </a:pPr>
             <a:r>
-              <a:rPr lang="en-US" b="true" sz="4803">
+              <a:rPr lang="en-US" sz="4803" b="1" dirty="0">
                 <a:solidFill>
                   <a:srgbClr val="000000"/>
                 </a:solidFill>
@@ -3497,12 +3489,12 @@
       </p:sp>
       <p:sp>
         <p:nvSpPr>
-          <p:cNvPr name="TextBox 7" id="7"/>
-          <p:cNvSpPr txBox="true"/>
+          <p:cNvPr id="7" name="TextBox 7"/>
+          <p:cNvSpPr txBox="1"/>
           <p:nvPr/>
         </p:nvSpPr>
         <p:spPr>
-          <a:xfrm rot="0">
+          <a:xfrm>
             <a:off x="777773" y="5223789"/>
             <a:ext cx="16746293" cy="819150"/>
           </a:xfrm>
@@ -3511,7 +3503,7 @@
           </a:prstGeom>
         </p:spPr>
         <p:txBody>
-          <a:bodyPr anchor="t" rtlCol="false" tIns="0" lIns="0" bIns="0" rIns="0">
+          <a:bodyPr lIns="0" tIns="0" rIns="0" bIns="0" rtlCol="0" anchor="t">
             <a:spAutoFit/>
           </a:bodyPr>
           <a:lstStyle/>
@@ -3557,21 +3549,21 @@
       </p:sp>
       <p:sp>
         <p:nvSpPr>
-          <p:cNvPr name="TextBox 8" id="8"/>
-          <p:cNvSpPr txBox="true"/>
+          <p:cNvPr id="8" name="TextBox 8"/>
+          <p:cNvSpPr txBox="1"/>
           <p:nvPr/>
         </p:nvSpPr>
         <p:spPr>
-          <a:xfrm rot="0">
-            <a:off x="777773" y="6414949"/>
-            <a:ext cx="7044556" cy="714375"/>
+          <a:xfrm>
+            <a:off x="777772" y="6414949"/>
+            <a:ext cx="7375627" cy="714375"/>
           </a:xfrm>
           <a:prstGeom prst="rect">
             <a:avLst/>
           </a:prstGeom>
         </p:spPr>
         <p:txBody>
-          <a:bodyPr anchor="t" rtlCol="false" tIns="0" lIns="0" bIns="0" rIns="0">
+          <a:bodyPr wrap="square" lIns="0" tIns="0" rIns="0" bIns="0" rtlCol="0" anchor="t">
             <a:spAutoFit/>
           </a:bodyPr>
           <a:lstStyle/>
@@ -3585,7 +3577,7 @@
               </a:spcBef>
             </a:pPr>
             <a:r>
-              <a:rPr lang="en-US" b="true" sz="4803">
+              <a:rPr lang="en-US" sz="4803" b="1" dirty="0">
                 <a:solidFill>
                   <a:srgbClr val="000000"/>
                 </a:solidFill>
@@ -3594,45 +3586,33 @@
                 <a:cs typeface="Montserrat Semi-Bold"/>
                 <a:sym typeface="Montserrat Semi-Bold"/>
               </a:rPr>
-              <a:t>Fu</a:t>
-            </a:r>
-            <a:r>
-              <a:rPr lang="en-US" b="true" sz="4803">
-                <a:solidFill>
-                  <a:srgbClr val="000000"/>
-                </a:solidFill>
-                <a:latin typeface="Montserrat Semi-Bold"/>
-                <a:ea typeface="Montserrat Semi-Bold"/>
-                <a:cs typeface="Montserrat Semi-Bold"/>
-                <a:sym typeface="Montserrat Semi-Bold"/>
-              </a:rPr>
-              <a:t>ture Improvements:</a:t>
-            </a:r>
-          </a:p>
-        </p:txBody>
-      </p:sp>
-      <p:sp>
-        <p:nvSpPr>
-          <p:cNvPr name="TextBox 9" id="9"/>
-          <p:cNvSpPr txBox="true"/>
+              <a:t>Future Improvements:</a:t>
+            </a:r>
+          </a:p>
+        </p:txBody>
+      </p:sp>
+      <p:sp>
+        <p:nvSpPr>
+          <p:cNvPr id="9" name="TextBox 9"/>
+          <p:cNvSpPr txBox="1"/>
           <p:nvPr/>
         </p:nvSpPr>
         <p:spPr>
-          <a:xfrm rot="0">
+          <a:xfrm>
             <a:off x="6377136" y="8252136"/>
-            <a:ext cx="5533727" cy="1152525"/>
+            <a:ext cx="6119664" cy="1152525"/>
           </a:xfrm>
           <a:prstGeom prst="rect">
             <a:avLst/>
           </a:prstGeom>
         </p:spPr>
         <p:txBody>
-          <a:bodyPr anchor="t" rtlCol="false" tIns="0" lIns="0" bIns="0" rIns="0">
+          <a:bodyPr wrap="square" lIns="0" tIns="0" rIns="0" bIns="0" rtlCol="0" anchor="t">
             <a:spAutoFit/>
           </a:bodyPr>
           <a:lstStyle/>
           <a:p>
-            <a:pPr algn="l">
+            <a:pPr algn="ctr">
               <a:lnSpc>
                 <a:spcPts val="9004"/>
               </a:lnSpc>
@@ -3641,7 +3621,7 @@
               </a:spcBef>
             </a:pPr>
             <a:r>
-              <a:rPr lang="en-US" b="true" sz="7503">
+              <a:rPr lang="en-US" sz="7503" b="1" dirty="0">
                 <a:solidFill>
                   <a:srgbClr val="000000"/>
                 </a:solidFill>
@@ -3664,7 +3644,7 @@
 </file>
 
 <file path=ppt/slides/slide2.xml><?xml version="1.0" encoding="utf-8"?>
-<p:sld xmlns:p="http://schemas.openxmlformats.org/presentationml/2006/main" xmlns:a="http://schemas.openxmlformats.org/drawingml/2006/main">
+<p:sld xmlns:a="http://schemas.openxmlformats.org/drawingml/2006/main" xmlns:r="http://schemas.openxmlformats.org/officeDocument/2006/relationships" xmlns:p="http://schemas.openxmlformats.org/presentationml/2006/main">
   <p:cSld>
     <p:spTree>
       <p:nvGrpSpPr>
@@ -3682,12 +3662,12 @@
       </p:grpSpPr>
       <p:sp>
         <p:nvSpPr>
-          <p:cNvPr name="TextBox 2" id="2"/>
-          <p:cNvSpPr txBox="true"/>
+          <p:cNvPr id="2" name="TextBox 2"/>
+          <p:cNvSpPr txBox="1"/>
           <p:nvPr/>
         </p:nvSpPr>
         <p:spPr>
-          <a:xfrm rot="0">
+          <a:xfrm>
             <a:off x="777773" y="447999"/>
             <a:ext cx="16746293" cy="847725"/>
           </a:xfrm>
@@ -3696,7 +3676,7 @@
           </a:prstGeom>
         </p:spPr>
         <p:txBody>
-          <a:bodyPr anchor="t" rtlCol="false" tIns="0" lIns="0" bIns="0" rIns="0">
+          <a:bodyPr lIns="0" tIns="0" rIns="0" bIns="0" rtlCol="0" anchor="t">
             <a:spAutoFit/>
           </a:bodyPr>
           <a:lstStyle/>
@@ -3707,7 +3687,7 @@
               </a:lnSpc>
             </a:pPr>
             <a:r>
-              <a:rPr lang="en-US" sz="5503" b="true">
+              <a:rPr lang="en-US" sz="5503" b="1">
                 <a:solidFill>
                   <a:srgbClr val="000000"/>
                 </a:solidFill>
@@ -3723,12 +3703,12 @@
       </p:sp>
       <p:sp>
         <p:nvSpPr>
-          <p:cNvPr name="TextBox 3" id="3"/>
-          <p:cNvSpPr txBox="true"/>
+          <p:cNvPr id="3" name="TextBox 3"/>
+          <p:cNvSpPr txBox="1"/>
           <p:nvPr/>
         </p:nvSpPr>
         <p:spPr>
-          <a:xfrm rot="0">
+          <a:xfrm>
             <a:off x="777773" y="3246798"/>
             <a:ext cx="16746293" cy="1228725"/>
           </a:xfrm>
@@ -3737,7 +3717,7 @@
           </a:prstGeom>
         </p:spPr>
         <p:txBody>
-          <a:bodyPr anchor="t" rtlCol="false" tIns="0" lIns="0" bIns="0" rIns="0">
+          <a:bodyPr lIns="0" tIns="0" rIns="0" bIns="0" rtlCol="0" anchor="t">
             <a:spAutoFit/>
           </a:bodyPr>
           <a:lstStyle/>
@@ -3802,21 +3782,21 @@
       </p:sp>
       <p:sp>
         <p:nvSpPr>
-          <p:cNvPr name="TextBox 4" id="4"/>
-          <p:cNvSpPr txBox="true"/>
+          <p:cNvPr id="4" name="TextBox 4"/>
+          <p:cNvSpPr txBox="1"/>
           <p:nvPr/>
         </p:nvSpPr>
         <p:spPr>
-          <a:xfrm rot="0">
+          <a:xfrm>
             <a:off x="777773" y="2202695"/>
-            <a:ext cx="10020523" cy="714375"/>
+            <a:ext cx="11719027" cy="714375"/>
           </a:xfrm>
           <a:prstGeom prst="rect">
             <a:avLst/>
           </a:prstGeom>
         </p:spPr>
         <p:txBody>
-          <a:bodyPr anchor="t" rtlCol="false" tIns="0" lIns="0" bIns="0" rIns="0">
+          <a:bodyPr wrap="square" lIns="0" tIns="0" rIns="0" bIns="0" rtlCol="0" anchor="t">
             <a:spAutoFit/>
           </a:bodyPr>
           <a:lstStyle/>
@@ -3830,7 +3810,7 @@
               </a:spcBef>
             </a:pPr>
             <a:r>
-              <a:rPr lang="en-US" b="true" sz="4803">
+              <a:rPr lang="en-US" sz="4803" b="1" dirty="0">
                 <a:solidFill>
                   <a:srgbClr val="000000"/>
                 </a:solidFill>
@@ -3846,12 +3826,12 @@
       </p:sp>
       <p:sp>
         <p:nvSpPr>
-          <p:cNvPr name="TextBox 5" id="5"/>
-          <p:cNvSpPr txBox="true"/>
+          <p:cNvPr id="5" name="TextBox 5"/>
+          <p:cNvSpPr txBox="1"/>
           <p:nvPr/>
         </p:nvSpPr>
         <p:spPr>
-          <a:xfrm rot="0">
+          <a:xfrm>
             <a:off x="777773" y="6073744"/>
             <a:ext cx="16746293" cy="1228725"/>
           </a:xfrm>
@@ -3860,7 +3840,7 @@
           </a:prstGeom>
         </p:spPr>
         <p:txBody>
-          <a:bodyPr anchor="t" rtlCol="false" tIns="0" lIns="0" bIns="0" rIns="0">
+          <a:bodyPr lIns="0" tIns="0" rIns="0" bIns="0" rtlCol="0" anchor="t">
             <a:spAutoFit/>
           </a:bodyPr>
           <a:lstStyle/>
@@ -3925,12 +3905,12 @@
       </p:sp>
       <p:sp>
         <p:nvSpPr>
-          <p:cNvPr name="TextBox 6" id="6"/>
-          <p:cNvSpPr txBox="true"/>
+          <p:cNvPr id="6" name="TextBox 6"/>
+          <p:cNvSpPr txBox="1"/>
           <p:nvPr/>
         </p:nvSpPr>
         <p:spPr>
-          <a:xfrm rot="0">
+          <a:xfrm>
             <a:off x="777773" y="5025994"/>
             <a:ext cx="16746293" cy="714375"/>
           </a:xfrm>
@@ -3939,12 +3919,12 @@
           </a:prstGeom>
         </p:spPr>
         <p:txBody>
-          <a:bodyPr anchor="t" rtlCol="false" tIns="0" lIns="0" bIns="0" rIns="0">
+          <a:bodyPr lIns="0" tIns="0" rIns="0" bIns="0" rtlCol="0" anchor="t">
             <a:spAutoFit/>
           </a:bodyPr>
           <a:lstStyle/>
           <a:p>
-            <a:pPr algn="l" marL="0" indent="0" lvl="0">
+            <a:pPr marL="0" lvl="0" indent="0" algn="l">
               <a:lnSpc>
                 <a:spcPts val="5764"/>
               </a:lnSpc>
@@ -3953,7 +3933,7 @@
               </a:spcBef>
             </a:pPr>
             <a:r>
-              <a:rPr lang="en-US" b="true" sz="4803" strike="noStrike" u="none">
+              <a:rPr lang="en-US" sz="4803" b="1" u="none" strike="noStrike">
                 <a:solidFill>
                   <a:srgbClr val="000000"/>
                 </a:solidFill>
@@ -3976,7 +3956,7 @@
 </file>
 
 <file path=ppt/slides/slide3.xml><?xml version="1.0" encoding="utf-8"?>
-<p:sld xmlns:p="http://schemas.openxmlformats.org/presentationml/2006/main" xmlns:a="http://schemas.openxmlformats.org/drawingml/2006/main" xmlns:r="http://schemas.openxmlformats.org/officeDocument/2006/relationships">
+<p:sld xmlns:a="http://schemas.openxmlformats.org/drawingml/2006/main" xmlns:r="http://schemas.openxmlformats.org/officeDocument/2006/relationships" xmlns:p="http://schemas.openxmlformats.org/presentationml/2006/main">
   <p:cSld>
     <p:spTree>
       <p:nvGrpSpPr>
@@ -3994,12 +3974,12 @@
       </p:grpSpPr>
       <p:sp>
         <p:nvSpPr>
-          <p:cNvPr name="Freeform 2" id="2"/>
+          <p:cNvPr id="2" name="Freeform 2"/>
           <p:cNvSpPr/>
           <p:nvPr/>
         </p:nvSpPr>
         <p:spPr>
-          <a:xfrm flipH="false" flipV="false" rot="0">
+          <a:xfrm>
             <a:off x="10826096" y="457524"/>
             <a:ext cx="4795513" cy="9615064"/>
           </a:xfrm>
@@ -4008,9 +3988,9 @@
             <a:gdLst/>
             <a:ahLst/>
             <a:cxnLst/>
-            <a:rect r="r" b="b" t="t" l="l"/>
+            <a:rect l="l" t="t" r="r" b="b"/>
             <a:pathLst>
-              <a:path h="9615064" w="4795513">
+              <a:path w="4795513" h="9615064">
                 <a:moveTo>
                   <a:pt x="0" y="0"/>
                 </a:moveTo>
@@ -4033,19 +4013,19 @@
           <a:blipFill>
             <a:blip r:embed="rId2"/>
             <a:stretch>
-              <a:fillRect l="0" t="0" r="0" b="0"/>
+              <a:fillRect/>
             </a:stretch>
           </a:blipFill>
         </p:spPr>
       </p:sp>
       <p:sp>
         <p:nvSpPr>
-          <p:cNvPr name="Freeform 3" id="3"/>
+          <p:cNvPr id="3" name="Freeform 3"/>
           <p:cNvSpPr/>
           <p:nvPr/>
         </p:nvSpPr>
         <p:spPr>
-          <a:xfrm flipH="false" flipV="false" rot="0">
+          <a:xfrm>
             <a:off x="5674591" y="1606664"/>
             <a:ext cx="3375787" cy="8465924"/>
           </a:xfrm>
@@ -4054,9 +4034,9 @@
             <a:gdLst/>
             <a:ahLst/>
             <a:cxnLst/>
-            <a:rect r="r" b="b" t="t" l="l"/>
+            <a:rect l="l" t="t" r="r" b="b"/>
             <a:pathLst>
-              <a:path h="8465924" w="3375787">
+              <a:path w="3375787" h="8465924">
                 <a:moveTo>
                   <a:pt x="0" y="0"/>
                 </a:moveTo>
@@ -4079,19 +4059,19 @@
           <a:blipFill>
             <a:blip r:embed="rId3"/>
             <a:stretch>
-              <a:fillRect l="0" t="0" r="0" b="0"/>
+              <a:fillRect/>
             </a:stretch>
           </a:blipFill>
         </p:spPr>
       </p:sp>
       <p:sp>
         <p:nvSpPr>
-          <p:cNvPr name="TextBox 4" id="4"/>
-          <p:cNvSpPr txBox="true"/>
+          <p:cNvPr id="4" name="TextBox 4"/>
+          <p:cNvSpPr txBox="1"/>
           <p:nvPr/>
         </p:nvSpPr>
         <p:spPr>
-          <a:xfrm rot="0">
+          <a:xfrm>
             <a:off x="777773" y="467049"/>
             <a:ext cx="16746293" cy="714375"/>
           </a:xfrm>
@@ -4100,7 +4080,7 @@
           </a:prstGeom>
         </p:spPr>
         <p:txBody>
-          <a:bodyPr anchor="t" rtlCol="false" tIns="0" lIns="0" bIns="0" rIns="0">
+          <a:bodyPr lIns="0" tIns="0" rIns="0" bIns="0" rtlCol="0" anchor="t">
             <a:spAutoFit/>
           </a:bodyPr>
           <a:lstStyle/>
@@ -4111,7 +4091,7 @@
               </a:lnSpc>
             </a:pPr>
             <a:r>
-              <a:rPr lang="en-US" sz="4803" b="true">
+              <a:rPr lang="en-US" sz="4803" b="1">
                 <a:solidFill>
                   <a:srgbClr val="000000"/>
                 </a:solidFill>
@@ -4127,21 +4107,21 @@
       </p:sp>
       <p:sp>
         <p:nvSpPr>
-          <p:cNvPr name="TextBox 5" id="5"/>
-          <p:cNvSpPr txBox="true"/>
+          <p:cNvPr id="5" name="TextBox 5"/>
+          <p:cNvSpPr txBox="1"/>
           <p:nvPr/>
         </p:nvSpPr>
         <p:spPr>
-          <a:xfrm rot="0">
-            <a:off x="777773" y="1501936"/>
-            <a:ext cx="4381574" cy="714375"/>
+          <a:xfrm>
+            <a:off x="777772" y="1501936"/>
+            <a:ext cx="5089627" cy="714375"/>
           </a:xfrm>
           <a:prstGeom prst="rect">
             <a:avLst/>
           </a:prstGeom>
         </p:spPr>
         <p:txBody>
-          <a:bodyPr anchor="t" rtlCol="false" tIns="0" lIns="0" bIns="0" rIns="0">
+          <a:bodyPr wrap="square" lIns="0" tIns="0" rIns="0" bIns="0" rtlCol="0" anchor="t">
             <a:spAutoFit/>
           </a:bodyPr>
           <a:lstStyle/>
@@ -4155,7 +4135,7 @@
               </a:spcBef>
             </a:pPr>
             <a:r>
-              <a:rPr lang="en-US" b="true" sz="4803">
+              <a:rPr lang="en-US" sz="4803" b="1" dirty="0">
                 <a:solidFill>
                   <a:srgbClr val="000000"/>
                 </a:solidFill>
@@ -4178,7 +4158,7 @@
 </file>
 
 <file path=ppt/slides/slide4.xml><?xml version="1.0" encoding="utf-8"?>
-<p:sld xmlns:p="http://schemas.openxmlformats.org/presentationml/2006/main" xmlns:a="http://schemas.openxmlformats.org/drawingml/2006/main">
+<p:sld xmlns:a="http://schemas.openxmlformats.org/drawingml/2006/main" xmlns:r="http://schemas.openxmlformats.org/officeDocument/2006/relationships" xmlns:p="http://schemas.openxmlformats.org/presentationml/2006/main">
   <p:cSld>
     <p:spTree>
       <p:nvGrpSpPr>
@@ -4196,12 +4176,12 @@
       </p:grpSpPr>
       <p:sp>
         <p:nvSpPr>
-          <p:cNvPr name="TextBox 2" id="2"/>
-          <p:cNvSpPr txBox="true"/>
+          <p:cNvPr id="2" name="TextBox 2"/>
+          <p:cNvSpPr txBox="1"/>
           <p:nvPr/>
         </p:nvSpPr>
         <p:spPr>
-          <a:xfrm rot="0">
+          <a:xfrm>
             <a:off x="777773" y="447999"/>
             <a:ext cx="16746293" cy="847725"/>
           </a:xfrm>
@@ -4210,7 +4190,7 @@
           </a:prstGeom>
         </p:spPr>
         <p:txBody>
-          <a:bodyPr anchor="t" rtlCol="false" tIns="0" lIns="0" bIns="0" rIns="0">
+          <a:bodyPr lIns="0" tIns="0" rIns="0" bIns="0" rtlCol="0" anchor="t">
             <a:spAutoFit/>
           </a:bodyPr>
           <a:lstStyle/>
@@ -4221,7 +4201,7 @@
               </a:lnSpc>
             </a:pPr>
             <a:r>
-              <a:rPr lang="en-US" sz="5503" b="true">
+              <a:rPr lang="en-US" sz="5503" b="1">
                 <a:solidFill>
                   <a:srgbClr val="000000"/>
                 </a:solidFill>
@@ -4237,12 +4217,12 @@
       </p:sp>
       <p:sp>
         <p:nvSpPr>
-          <p:cNvPr name="TextBox 3" id="3"/>
-          <p:cNvSpPr txBox="true"/>
+          <p:cNvPr id="3" name="TextBox 3"/>
+          <p:cNvSpPr txBox="1"/>
           <p:nvPr/>
         </p:nvSpPr>
         <p:spPr>
-          <a:xfrm rot="0">
+          <a:xfrm>
             <a:off x="777773" y="3440906"/>
             <a:ext cx="16746293" cy="2457450"/>
           </a:xfrm>
@@ -4251,7 +4231,7 @@
           </a:prstGeom>
         </p:spPr>
         <p:txBody>
-          <a:bodyPr anchor="t" rtlCol="false" tIns="0" lIns="0" bIns="0" rIns="0">
+          <a:bodyPr lIns="0" tIns="0" rIns="0" bIns="0" rtlCol="0" anchor="t">
             <a:spAutoFit/>
           </a:bodyPr>
           <a:lstStyle/>
@@ -4274,7 +4254,7 @@
               <a:t>• </a:t>
             </a:r>
             <a:r>
-              <a:rPr lang="en-US" sz="2702" b="true">
+              <a:rPr lang="en-US" sz="2702" b="1">
                 <a:solidFill>
                   <a:srgbClr val="000000"/>
                 </a:solidFill>
@@ -4317,7 +4297,7 @@
               <a:t>• </a:t>
             </a:r>
             <a:r>
-              <a:rPr lang="en-US" sz="2702" b="true">
+              <a:rPr lang="en-US" sz="2702" b="1">
                 <a:solidFill>
                   <a:srgbClr val="000000"/>
                 </a:solidFill>
@@ -4360,7 +4340,7 @@
               <a:t>• </a:t>
             </a:r>
             <a:r>
-              <a:rPr lang="en-US" sz="2702" b="true">
+              <a:rPr lang="en-US" sz="2702" b="1">
                 <a:solidFill>
                   <a:srgbClr val="000000"/>
                 </a:solidFill>
@@ -4403,7 +4383,7 @@
               <a:t>• </a:t>
             </a:r>
             <a:r>
-              <a:rPr lang="en-US" sz="2702" b="true">
+              <a:rPr lang="en-US" sz="2702" b="1">
                 <a:solidFill>
                   <a:srgbClr val="000000"/>
                 </a:solidFill>
@@ -4446,7 +4426,7 @@
               <a:t>• </a:t>
             </a:r>
             <a:r>
-              <a:rPr lang="en-US" sz="2702" b="true">
+              <a:rPr lang="en-US" sz="2702" b="1">
                 <a:solidFill>
                   <a:srgbClr val="000000"/>
                 </a:solidFill>
@@ -4489,7 +4469,7 @@
               <a:t>• </a:t>
             </a:r>
             <a:r>
-              <a:rPr lang="en-US" sz="2702" b="true">
+              <a:rPr lang="en-US" sz="2702" b="1">
                 <a:solidFill>
                   <a:srgbClr val="000000"/>
                 </a:solidFill>
@@ -4517,21 +4497,21 @@
       </p:sp>
       <p:sp>
         <p:nvSpPr>
-          <p:cNvPr name="TextBox 4" id="4"/>
-          <p:cNvSpPr txBox="true"/>
+          <p:cNvPr id="4" name="TextBox 4"/>
+          <p:cNvSpPr txBox="1"/>
           <p:nvPr/>
         </p:nvSpPr>
         <p:spPr>
-          <a:xfrm rot="0">
-            <a:off x="777773" y="2445544"/>
-            <a:ext cx="6071518" cy="714375"/>
+          <a:xfrm>
+            <a:off x="777772" y="2445544"/>
+            <a:ext cx="6842227" cy="714375"/>
           </a:xfrm>
           <a:prstGeom prst="rect">
             <a:avLst/>
           </a:prstGeom>
         </p:spPr>
         <p:txBody>
-          <a:bodyPr anchor="t" rtlCol="false" tIns="0" lIns="0" bIns="0" rIns="0">
+          <a:bodyPr wrap="square" lIns="0" tIns="0" rIns="0" bIns="0" rtlCol="0" anchor="t">
             <a:spAutoFit/>
           </a:bodyPr>
           <a:lstStyle/>
@@ -4545,7 +4525,7 @@
               </a:spcBef>
             </a:pPr>
             <a:r>
-              <a:rPr lang="en-US" b="true" sz="4803">
+              <a:rPr lang="en-US" sz="4803" b="1" dirty="0">
                 <a:solidFill>
                   <a:srgbClr val="000000"/>
                 </a:solidFill>
@@ -4561,12 +4541,12 @@
       </p:sp>
       <p:sp>
         <p:nvSpPr>
-          <p:cNvPr name="TextBox 5" id="5"/>
-          <p:cNvSpPr txBox="true"/>
+          <p:cNvPr id="5" name="TextBox 5"/>
+          <p:cNvSpPr txBox="1"/>
           <p:nvPr/>
         </p:nvSpPr>
         <p:spPr>
-          <a:xfrm rot="0">
+          <a:xfrm>
             <a:off x="777773" y="6441281"/>
             <a:ext cx="4362094" cy="714375"/>
           </a:xfrm>
@@ -4575,12 +4555,12 @@
           </a:prstGeom>
         </p:spPr>
         <p:txBody>
-          <a:bodyPr anchor="t" rtlCol="false" tIns="0" lIns="0" bIns="0" rIns="0">
+          <a:bodyPr lIns="0" tIns="0" rIns="0" bIns="0" rtlCol="0" anchor="t">
             <a:spAutoFit/>
           </a:bodyPr>
           <a:lstStyle/>
           <a:p>
-            <a:pPr algn="l" marL="0" indent="0" lvl="0">
+            <a:pPr marL="0" lvl="0" indent="0" algn="l">
               <a:lnSpc>
                 <a:spcPts val="5764"/>
               </a:lnSpc>
@@ -4589,7 +4569,7 @@
               </a:spcBef>
             </a:pPr>
             <a:r>
-              <a:rPr lang="en-US" b="true" sz="4803" strike="noStrike" u="none">
+              <a:rPr lang="en-US" sz="4803" b="1" u="none" strike="noStrike">
                 <a:solidFill>
                   <a:srgbClr val="000000"/>
                 </a:solidFill>
@@ -4605,12 +4585,12 @@
       </p:sp>
       <p:sp>
         <p:nvSpPr>
-          <p:cNvPr name="TextBox 6" id="6"/>
-          <p:cNvSpPr txBox="true"/>
+          <p:cNvPr id="6" name="TextBox 6"/>
+          <p:cNvSpPr txBox="1"/>
           <p:nvPr/>
         </p:nvSpPr>
         <p:spPr>
-          <a:xfrm rot="0">
+          <a:xfrm>
             <a:off x="777773" y="7441406"/>
             <a:ext cx="5441156" cy="409575"/>
           </a:xfrm>
@@ -4619,12 +4599,12 @@
           </a:prstGeom>
         </p:spPr>
         <p:txBody>
-          <a:bodyPr anchor="t" rtlCol="false" tIns="0" lIns="0" bIns="0" rIns="0">
+          <a:bodyPr lIns="0" tIns="0" rIns="0" bIns="0" rtlCol="0" anchor="t">
             <a:spAutoFit/>
           </a:bodyPr>
           <a:lstStyle/>
           <a:p>
-            <a:pPr algn="l" marL="0" indent="0" lvl="0">
+            <a:pPr marL="0" lvl="0" indent="0" algn="l">
               <a:lnSpc>
                 <a:spcPts val="3242"/>
               </a:lnSpc>
@@ -4633,7 +4613,7 @@
               </a:spcBef>
             </a:pPr>
             <a:r>
-              <a:rPr lang="en-US" sz="2702" strike="noStrike" u="none">
+              <a:rPr lang="en-US" sz="2702" u="none" strike="noStrike">
                 <a:solidFill>
                   <a:srgbClr val="000000"/>
                 </a:solidFill>
@@ -4656,7 +4636,7 @@
 </file>
 
 <file path=ppt/slides/slide5.xml><?xml version="1.0" encoding="utf-8"?>
-<p:sld xmlns:p="http://schemas.openxmlformats.org/presentationml/2006/main" xmlns:a="http://schemas.openxmlformats.org/drawingml/2006/main" xmlns:r="http://schemas.openxmlformats.org/officeDocument/2006/relationships">
+<p:sld xmlns:a="http://schemas.openxmlformats.org/drawingml/2006/main" xmlns:r="http://schemas.openxmlformats.org/officeDocument/2006/relationships" xmlns:p="http://schemas.openxmlformats.org/presentationml/2006/main">
   <p:cSld>
     <p:spTree>
       <p:nvGrpSpPr>
@@ -4674,12 +4654,12 @@
       </p:grpSpPr>
       <p:sp>
         <p:nvSpPr>
-          <p:cNvPr name="Freeform 2" id="2"/>
+          <p:cNvPr id="2" name="Freeform 2"/>
           <p:cNvSpPr/>
           <p:nvPr/>
         </p:nvSpPr>
         <p:spPr>
-          <a:xfrm flipH="false" flipV="false" rot="0">
+          <a:xfrm>
             <a:off x="777773" y="3861949"/>
             <a:ext cx="11301259" cy="5396351"/>
           </a:xfrm>
@@ -4688,9 +4668,9 @@
             <a:gdLst/>
             <a:ahLst/>
             <a:cxnLst/>
-            <a:rect r="r" b="b" t="t" l="l"/>
+            <a:rect l="l" t="t" r="r" b="b"/>
             <a:pathLst>
-              <a:path h="5396351" w="11301259">
+              <a:path w="11301259" h="5396351">
                 <a:moveTo>
                   <a:pt x="0" y="0"/>
                 </a:moveTo>
@@ -4713,19 +4693,19 @@
           <a:blipFill>
             <a:blip r:embed="rId2"/>
             <a:stretch>
-              <a:fillRect l="0" t="0" r="0" b="0"/>
+              <a:fillRect/>
             </a:stretch>
           </a:blipFill>
         </p:spPr>
       </p:sp>
       <p:sp>
         <p:nvSpPr>
-          <p:cNvPr name="TextBox 3" id="3"/>
-          <p:cNvSpPr txBox="true"/>
+          <p:cNvPr id="3" name="TextBox 3"/>
+          <p:cNvSpPr txBox="1"/>
           <p:nvPr/>
         </p:nvSpPr>
         <p:spPr>
-          <a:xfrm rot="0">
+          <a:xfrm>
             <a:off x="777773" y="467049"/>
             <a:ext cx="16746293" cy="714375"/>
           </a:xfrm>
@@ -4734,7 +4714,7 @@
           </a:prstGeom>
         </p:spPr>
         <p:txBody>
-          <a:bodyPr anchor="t" rtlCol="false" tIns="0" lIns="0" bIns="0" rIns="0">
+          <a:bodyPr lIns="0" tIns="0" rIns="0" bIns="0" rtlCol="0" anchor="t">
             <a:spAutoFit/>
           </a:bodyPr>
           <a:lstStyle/>
@@ -4745,7 +4725,7 @@
               </a:lnSpc>
             </a:pPr>
             <a:r>
-              <a:rPr lang="en-US" sz="4803" b="true">
+              <a:rPr lang="en-US" sz="4803" b="1">
                 <a:solidFill>
                   <a:srgbClr val="000000"/>
                 </a:solidFill>
@@ -4761,12 +4741,12 @@
       </p:sp>
       <p:sp>
         <p:nvSpPr>
-          <p:cNvPr name="TextBox 4" id="4"/>
-          <p:cNvSpPr txBox="true"/>
+          <p:cNvPr id="4" name="TextBox 4"/>
+          <p:cNvSpPr txBox="1"/>
           <p:nvPr/>
         </p:nvSpPr>
         <p:spPr>
-          <a:xfrm rot="0">
+          <a:xfrm>
             <a:off x="770853" y="1722515"/>
             <a:ext cx="16746293" cy="409575"/>
           </a:xfrm>
@@ -4775,7 +4755,7 @@
           </a:prstGeom>
         </p:spPr>
         <p:txBody>
-          <a:bodyPr anchor="t" rtlCol="false" tIns="0" lIns="0" bIns="0" rIns="0">
+          <a:bodyPr lIns="0" tIns="0" rIns="0" bIns="0" rtlCol="0" anchor="t">
             <a:spAutoFit/>
           </a:bodyPr>
           <a:lstStyle/>
@@ -4786,7 +4766,7 @@
               </a:lnSpc>
             </a:pPr>
             <a:r>
-              <a:rPr lang="en-US" sz="2702" b="true">
+              <a:rPr lang="en-US" sz="2702" b="1">
                 <a:solidFill>
                   <a:srgbClr val="000000"/>
                 </a:solidFill>
@@ -4802,12 +4782,12 @@
       </p:sp>
       <p:sp>
         <p:nvSpPr>
-          <p:cNvPr name="TextBox 5" id="5"/>
-          <p:cNvSpPr txBox="true"/>
+          <p:cNvPr id="5" name="TextBox 5"/>
+          <p:cNvSpPr txBox="1"/>
           <p:nvPr/>
         </p:nvSpPr>
         <p:spPr>
-          <a:xfrm rot="0">
+          <a:xfrm>
             <a:off x="777773" y="3204724"/>
             <a:ext cx="16746293" cy="409575"/>
           </a:xfrm>
@@ -4816,7 +4796,7 @@
           </a:prstGeom>
         </p:spPr>
         <p:txBody>
-          <a:bodyPr anchor="t" rtlCol="false" tIns="0" lIns="0" bIns="0" rIns="0">
+          <a:bodyPr lIns="0" tIns="0" rIns="0" bIns="0" rtlCol="0" anchor="t">
             <a:spAutoFit/>
           </a:bodyPr>
           <a:lstStyle/>
@@ -4827,7 +4807,7 @@
               </a:lnSpc>
             </a:pPr>
             <a:r>
-              <a:rPr lang="en-US" sz="2702" b="true">
+              <a:rPr lang="en-US" sz="2702" b="1">
                 <a:solidFill>
                   <a:srgbClr val="000000"/>
                 </a:solidFill>
@@ -4843,12 +4823,12 @@
       </p:sp>
       <p:sp>
         <p:nvSpPr>
-          <p:cNvPr name="TextBox 6" id="6"/>
-          <p:cNvSpPr txBox="true"/>
+          <p:cNvPr id="6" name="TextBox 6"/>
+          <p:cNvSpPr txBox="1"/>
           <p:nvPr/>
         </p:nvSpPr>
         <p:spPr>
-          <a:xfrm rot="0">
+          <a:xfrm>
             <a:off x="770853" y="2244533"/>
             <a:ext cx="16746293" cy="419100"/>
           </a:xfrm>
@@ -4857,7 +4837,7 @@
           </a:prstGeom>
         </p:spPr>
         <p:txBody>
-          <a:bodyPr anchor="t" rtlCol="false" tIns="0" lIns="0" bIns="0" rIns="0">
+          <a:bodyPr lIns="0" tIns="0" rIns="0" bIns="0" rtlCol="0" anchor="t">
             <a:spAutoFit/>
           </a:bodyPr>
           <a:lstStyle/>
@@ -4891,7 +4871,7 @@
 </file>
 
 <file path=ppt/slides/slide6.xml><?xml version="1.0" encoding="utf-8"?>
-<p:sld xmlns:p="http://schemas.openxmlformats.org/presentationml/2006/main" xmlns:a="http://schemas.openxmlformats.org/drawingml/2006/main" xmlns:r="http://schemas.openxmlformats.org/officeDocument/2006/relationships">
+<p:sld xmlns:a="http://schemas.openxmlformats.org/drawingml/2006/main" xmlns:r="http://schemas.openxmlformats.org/officeDocument/2006/relationships" xmlns:p="http://schemas.openxmlformats.org/presentationml/2006/main">
   <p:cSld>
     <p:spTree>
       <p:nvGrpSpPr>
@@ -4909,12 +4889,12 @@
       </p:grpSpPr>
       <p:sp>
         <p:nvSpPr>
-          <p:cNvPr name="Freeform 2" id="2"/>
+          <p:cNvPr id="2" name="Freeform 2"/>
           <p:cNvSpPr/>
           <p:nvPr/>
         </p:nvSpPr>
         <p:spPr>
-          <a:xfrm flipH="false" flipV="false" rot="0">
+          <a:xfrm>
             <a:off x="9150920" y="3047853"/>
             <a:ext cx="8373147" cy="1973307"/>
           </a:xfrm>
@@ -4923,9 +4903,9 @@
             <a:gdLst/>
             <a:ahLst/>
             <a:cxnLst/>
-            <a:rect r="r" b="b" t="t" l="l"/>
+            <a:rect l="l" t="t" r="r" b="b"/>
             <a:pathLst>
-              <a:path h="1973307" w="8373147">
+              <a:path w="8373147" h="1973307">
                 <a:moveTo>
                   <a:pt x="0" y="0"/>
                 </a:moveTo>
@@ -4948,19 +4928,19 @@
           <a:blipFill>
             <a:blip r:embed="rId2"/>
             <a:stretch>
-              <a:fillRect l="0" t="0" r="0" b="-93596"/>
+              <a:fillRect b="-93596"/>
             </a:stretch>
           </a:blipFill>
         </p:spPr>
       </p:sp>
       <p:sp>
         <p:nvSpPr>
-          <p:cNvPr name="Freeform 3" id="3"/>
+          <p:cNvPr id="3" name="Freeform 3"/>
           <p:cNvSpPr/>
           <p:nvPr/>
         </p:nvSpPr>
         <p:spPr>
-          <a:xfrm flipH="false" flipV="false" rot="0">
+          <a:xfrm>
             <a:off x="777773" y="3047853"/>
             <a:ext cx="7663329" cy="1973307"/>
           </a:xfrm>
@@ -4969,9 +4949,9 @@
             <a:gdLst/>
             <a:ahLst/>
             <a:cxnLst/>
-            <a:rect r="r" b="b" t="t" l="l"/>
+            <a:rect l="l" t="t" r="r" b="b"/>
             <a:pathLst>
-              <a:path h="1973307" w="7663329">
+              <a:path w="7663329" h="1973307">
                 <a:moveTo>
                   <a:pt x="0" y="0"/>
                 </a:moveTo>
@@ -4994,19 +4974,19 @@
           <a:blipFill>
             <a:blip r:embed="rId3"/>
             <a:stretch>
-              <a:fillRect l="0" t="0" r="0" b="0"/>
+              <a:fillRect/>
             </a:stretch>
           </a:blipFill>
         </p:spPr>
       </p:sp>
       <p:sp>
         <p:nvSpPr>
-          <p:cNvPr name="TextBox 4" id="4"/>
-          <p:cNvSpPr txBox="true"/>
+          <p:cNvPr id="4" name="TextBox 4"/>
+          <p:cNvSpPr txBox="1"/>
           <p:nvPr/>
         </p:nvSpPr>
         <p:spPr>
-          <a:xfrm rot="0">
+          <a:xfrm>
             <a:off x="777773" y="467049"/>
             <a:ext cx="16746293" cy="714375"/>
           </a:xfrm>
@@ -5015,7 +4995,7 @@
           </a:prstGeom>
         </p:spPr>
         <p:txBody>
-          <a:bodyPr anchor="t" rtlCol="false" tIns="0" lIns="0" bIns="0" rIns="0">
+          <a:bodyPr lIns="0" tIns="0" rIns="0" bIns="0" rtlCol="0" anchor="t">
             <a:spAutoFit/>
           </a:bodyPr>
           <a:lstStyle/>
@@ -5026,7 +5006,7 @@
               </a:lnSpc>
             </a:pPr>
             <a:r>
-              <a:rPr lang="en-US" sz="4803" b="true">
+              <a:rPr lang="en-US" sz="4803" b="1">
                 <a:solidFill>
                   <a:srgbClr val="000000"/>
                 </a:solidFill>
@@ -5042,12 +5022,12 @@
       </p:sp>
       <p:sp>
         <p:nvSpPr>
-          <p:cNvPr name="TextBox 5" id="5"/>
-          <p:cNvSpPr txBox="true"/>
+          <p:cNvPr id="5" name="TextBox 5"/>
+          <p:cNvSpPr txBox="1"/>
           <p:nvPr/>
         </p:nvSpPr>
         <p:spPr>
-          <a:xfrm rot="0">
+          <a:xfrm>
             <a:off x="777773" y="1692926"/>
             <a:ext cx="8366227" cy="790575"/>
           </a:xfrm>
@@ -5056,7 +5036,7 @@
           </a:prstGeom>
         </p:spPr>
         <p:txBody>
-          <a:bodyPr anchor="t" rtlCol="false" tIns="0" lIns="0" bIns="0" rIns="0">
+          <a:bodyPr lIns="0" tIns="0" rIns="0" bIns="0" rtlCol="0" anchor="t">
             <a:spAutoFit/>
           </a:bodyPr>
           <a:lstStyle/>
@@ -5067,7 +5047,7 @@
               </a:lnSpc>
             </a:pPr>
             <a:r>
-              <a:rPr lang="en-US" sz="3002" b="true">
+              <a:rPr lang="en-US" sz="3002" b="1">
                 <a:solidFill>
                   <a:srgbClr val="000000"/>
                 </a:solidFill>
@@ -5102,12 +5082,12 @@
       </p:sp>
       <p:sp>
         <p:nvSpPr>
-          <p:cNvPr name="TextBox 6" id="6"/>
-          <p:cNvSpPr txBox="true"/>
+          <p:cNvPr id="6" name="TextBox 6"/>
+          <p:cNvSpPr txBox="1"/>
           <p:nvPr/>
         </p:nvSpPr>
         <p:spPr>
-          <a:xfrm rot="0">
+          <a:xfrm>
             <a:off x="9144000" y="1692926"/>
             <a:ext cx="8532466" cy="1123950"/>
           </a:xfrm>
@@ -5116,7 +5096,7 @@
           </a:prstGeom>
         </p:spPr>
         <p:txBody>
-          <a:bodyPr anchor="t" rtlCol="false" tIns="0" lIns="0" bIns="0" rIns="0">
+          <a:bodyPr lIns="0" tIns="0" rIns="0" bIns="0" rtlCol="0" anchor="t">
             <a:spAutoFit/>
           </a:bodyPr>
           <a:lstStyle/>
@@ -5127,7 +5107,7 @@
               </a:lnSpc>
             </a:pPr>
             <a:r>
-              <a:rPr lang="en-US" sz="3002" b="true">
+              <a:rPr lang="en-US" sz="3002" b="1">
                 <a:solidFill>
                   <a:srgbClr val="000000"/>
                 </a:solidFill>
@@ -5162,12 +5142,12 @@
       </p:sp>
       <p:sp>
         <p:nvSpPr>
-          <p:cNvPr name="Freeform 7" id="7"/>
+          <p:cNvPr id="7" name="Freeform 7"/>
           <p:cNvSpPr/>
           <p:nvPr/>
         </p:nvSpPr>
         <p:spPr>
-          <a:xfrm flipH="false" flipV="false" rot="0">
+          <a:xfrm>
             <a:off x="4476545" y="7050744"/>
             <a:ext cx="8380066" cy="1969316"/>
           </a:xfrm>
@@ -5176,9 +5156,9 @@
             <a:gdLst/>
             <a:ahLst/>
             <a:cxnLst/>
-            <a:rect r="r" b="b" t="t" l="l"/>
+            <a:rect l="l" t="t" r="r" b="b"/>
             <a:pathLst>
-              <a:path h="1969316" w="8380066">
+              <a:path w="8380066" h="1969316">
                 <a:moveTo>
                   <a:pt x="0" y="0"/>
                 </a:moveTo>
@@ -5201,19 +5181,19 @@
           <a:blipFill>
             <a:blip r:embed="rId4"/>
             <a:stretch>
-              <a:fillRect l="0" t="0" r="0" b="0"/>
+              <a:fillRect/>
             </a:stretch>
           </a:blipFill>
         </p:spPr>
       </p:sp>
       <p:sp>
         <p:nvSpPr>
-          <p:cNvPr name="TextBox 8" id="8"/>
-          <p:cNvSpPr txBox="true"/>
+          <p:cNvPr id="8" name="TextBox 8"/>
+          <p:cNvSpPr txBox="1"/>
           <p:nvPr/>
         </p:nvSpPr>
         <p:spPr>
-          <a:xfrm rot="0">
+          <a:xfrm>
             <a:off x="4476545" y="6031569"/>
             <a:ext cx="9334911" cy="790575"/>
           </a:xfrm>
@@ -5222,7 +5202,7 @@
           </a:prstGeom>
         </p:spPr>
         <p:txBody>
-          <a:bodyPr anchor="t" rtlCol="false" tIns="0" lIns="0" bIns="0" rIns="0">
+          <a:bodyPr lIns="0" tIns="0" rIns="0" bIns="0" rtlCol="0" anchor="t">
             <a:spAutoFit/>
           </a:bodyPr>
           <a:lstStyle/>
@@ -5233,7 +5213,7 @@
               </a:lnSpc>
             </a:pPr>
             <a:r>
-              <a:rPr lang="en-US" sz="3002" b="true">
+              <a:rPr lang="en-US" sz="3002" b="1">
                 <a:solidFill>
                   <a:srgbClr val="000000"/>
                 </a:solidFill>
@@ -5275,7 +5255,7 @@
 </file>
 
 <file path=ppt/slides/slide7.xml><?xml version="1.0" encoding="utf-8"?>
-<p:sld xmlns:p="http://schemas.openxmlformats.org/presentationml/2006/main" xmlns:a="http://schemas.openxmlformats.org/drawingml/2006/main" xmlns:r="http://schemas.openxmlformats.org/officeDocument/2006/relationships">
+<p:sld xmlns:a="http://schemas.openxmlformats.org/drawingml/2006/main" xmlns:r="http://schemas.openxmlformats.org/officeDocument/2006/relationships" xmlns:p="http://schemas.openxmlformats.org/presentationml/2006/main">
   <p:cSld>
     <p:spTree>
       <p:nvGrpSpPr>
@@ -5293,12 +5273,12 @@
       </p:grpSpPr>
       <p:sp>
         <p:nvSpPr>
-          <p:cNvPr name="Freeform 2" id="2"/>
+          <p:cNvPr id="2" name="Freeform 2"/>
           <p:cNvSpPr/>
           <p:nvPr/>
         </p:nvSpPr>
         <p:spPr>
-          <a:xfrm flipH="false" flipV="false" rot="0">
+          <a:xfrm>
             <a:off x="777773" y="3945403"/>
             <a:ext cx="8420098" cy="5162185"/>
           </a:xfrm>
@@ -5307,9 +5287,9 @@
             <a:gdLst/>
             <a:ahLst/>
             <a:cxnLst/>
-            <a:rect r="r" b="b" t="t" l="l"/>
+            <a:rect l="l" t="t" r="r" b="b"/>
             <a:pathLst>
-              <a:path h="5162185" w="8420098">
+              <a:path w="8420098" h="5162185">
                 <a:moveTo>
                   <a:pt x="0" y="0"/>
                 </a:moveTo>
@@ -5332,19 +5312,19 @@
           <a:blipFill>
             <a:blip r:embed="rId2"/>
             <a:stretch>
-              <a:fillRect l="0" t="0" r="0" b="0"/>
+              <a:fillRect/>
             </a:stretch>
           </a:blipFill>
         </p:spPr>
       </p:sp>
       <p:sp>
         <p:nvSpPr>
-          <p:cNvPr name="Freeform 3" id="3"/>
+          <p:cNvPr id="3" name="Freeform 3"/>
           <p:cNvSpPr/>
           <p:nvPr/>
         </p:nvSpPr>
         <p:spPr>
-          <a:xfrm flipH="false" flipV="false" rot="0">
+          <a:xfrm>
             <a:off x="9674429" y="3945403"/>
             <a:ext cx="8420098" cy="5162185"/>
           </a:xfrm>
@@ -5353,9 +5333,9 @@
             <a:gdLst/>
             <a:ahLst/>
             <a:cxnLst/>
-            <a:rect r="r" b="b" t="t" l="l"/>
+            <a:rect l="l" t="t" r="r" b="b"/>
             <a:pathLst>
-              <a:path h="5162185" w="8420098">
+              <a:path w="8420098" h="5162185">
                 <a:moveTo>
                   <a:pt x="0" y="0"/>
                 </a:moveTo>
@@ -5378,19 +5358,19 @@
           <a:blipFill>
             <a:blip r:embed="rId3"/>
             <a:stretch>
-              <a:fillRect l="0" t="0" r="0" b="0"/>
+              <a:fillRect/>
             </a:stretch>
           </a:blipFill>
         </p:spPr>
       </p:sp>
       <p:sp>
         <p:nvSpPr>
-          <p:cNvPr name="TextBox 4" id="4"/>
-          <p:cNvSpPr txBox="true"/>
+          <p:cNvPr id="4" name="TextBox 4"/>
+          <p:cNvSpPr txBox="1"/>
           <p:nvPr/>
         </p:nvSpPr>
         <p:spPr>
-          <a:xfrm rot="0">
+          <a:xfrm>
             <a:off x="777773" y="447999"/>
             <a:ext cx="16746293" cy="847725"/>
           </a:xfrm>
@@ -5399,7 +5379,7 @@
           </a:prstGeom>
         </p:spPr>
         <p:txBody>
-          <a:bodyPr anchor="t" rtlCol="false" tIns="0" lIns="0" bIns="0" rIns="0">
+          <a:bodyPr lIns="0" tIns="0" rIns="0" bIns="0" rtlCol="0" anchor="t">
             <a:spAutoFit/>
           </a:bodyPr>
           <a:lstStyle/>
@@ -5410,7 +5390,7 @@
               </a:lnSpc>
             </a:pPr>
             <a:r>
-              <a:rPr lang="en-US" sz="5503" b="true">
+              <a:rPr lang="en-US" sz="5503" b="1">
                 <a:solidFill>
                   <a:srgbClr val="000000"/>
                 </a:solidFill>
@@ -5426,21 +5406,21 @@
       </p:sp>
       <p:sp>
         <p:nvSpPr>
-          <p:cNvPr name="TextBox 5" id="5"/>
-          <p:cNvSpPr txBox="true"/>
+          <p:cNvPr id="5" name="TextBox 5"/>
+          <p:cNvSpPr txBox="1"/>
           <p:nvPr/>
         </p:nvSpPr>
         <p:spPr>
-          <a:xfrm rot="0">
-            <a:off x="777773" y="1874686"/>
-            <a:ext cx="8485584" cy="714375"/>
+          <a:xfrm>
+            <a:off x="777772" y="1874686"/>
+            <a:ext cx="8747225" cy="714375"/>
           </a:xfrm>
           <a:prstGeom prst="rect">
             <a:avLst/>
           </a:prstGeom>
         </p:spPr>
         <p:txBody>
-          <a:bodyPr anchor="t" rtlCol="false" tIns="0" lIns="0" bIns="0" rIns="0">
+          <a:bodyPr wrap="square" lIns="0" tIns="0" rIns="0" bIns="0" rtlCol="0" anchor="t">
             <a:spAutoFit/>
           </a:bodyPr>
           <a:lstStyle/>
@@ -5454,7 +5434,7 @@
               </a:spcBef>
             </a:pPr>
             <a:r>
-              <a:rPr lang="en-US" b="true" sz="4803">
+              <a:rPr lang="en-US" sz="4803" b="1" dirty="0">
                 <a:solidFill>
                   <a:srgbClr val="000000"/>
                 </a:solidFill>
@@ -5470,12 +5450,12 @@
       </p:sp>
       <p:sp>
         <p:nvSpPr>
-          <p:cNvPr name="TextBox 6" id="6"/>
-          <p:cNvSpPr txBox="true"/>
+          <p:cNvPr id="6" name="TextBox 6"/>
+          <p:cNvSpPr txBox="1"/>
           <p:nvPr/>
         </p:nvSpPr>
         <p:spPr>
-          <a:xfrm rot="0">
+          <a:xfrm>
             <a:off x="777773" y="2859553"/>
             <a:ext cx="8420098" cy="819150"/>
           </a:xfrm>
@@ -5484,7 +5464,7 @@
           </a:prstGeom>
         </p:spPr>
         <p:txBody>
-          <a:bodyPr anchor="t" rtlCol="false" tIns="0" lIns="0" bIns="0" rIns="0">
+          <a:bodyPr lIns="0" tIns="0" rIns="0" bIns="0" rtlCol="0" anchor="t">
             <a:spAutoFit/>
           </a:bodyPr>
           <a:lstStyle/>
@@ -5504,8 +5484,15 @@
                 <a:cs typeface="Montserrat"/>
                 <a:sym typeface="Montserrat"/>
               </a:rPr>
-              <a:t>•</a:t>
-            </a:r>
+              <a:t>• 4,800 movies grouped into 25 clusters</a:t>
+            </a:r>
+          </a:p>
+          <a:p>
+            <a:pPr algn="l">
+              <a:lnSpc>
+                <a:spcPts val="3242"/>
+              </a:lnSpc>
+            </a:pPr>
             <a:r>
               <a:rPr lang="en-US" sz="2702">
                 <a:solidFill>
@@ -5516,9 +5503,75 @@
                 <a:cs typeface="Montserrat"/>
                 <a:sym typeface="Montserrat"/>
               </a:rPr>
-              <a:t> 4,800 movies grouped into 25 clusters</a:t>
-            </a:r>
-          </a:p>
+              <a:t>• Similar movies appear close together</a:t>
+            </a:r>
+          </a:p>
+        </p:txBody>
+      </p:sp>
+      <p:sp>
+        <p:nvSpPr>
+          <p:cNvPr id="7" name="TextBox 7"/>
+          <p:cNvSpPr txBox="1"/>
+          <p:nvPr/>
+        </p:nvSpPr>
+        <p:spPr>
+          <a:xfrm>
+            <a:off x="9914853" y="1874686"/>
+            <a:ext cx="6468144" cy="714375"/>
+          </a:xfrm>
+          <a:prstGeom prst="rect">
+            <a:avLst/>
+          </a:prstGeom>
+        </p:spPr>
+        <p:txBody>
+          <a:bodyPr wrap="square" lIns="0" tIns="0" rIns="0" bIns="0" rtlCol="0" anchor="t">
+            <a:spAutoFit/>
+          </a:bodyPr>
+          <a:lstStyle/>
+          <a:p>
+            <a:pPr algn="l">
+              <a:lnSpc>
+                <a:spcPts val="5764"/>
+              </a:lnSpc>
+              <a:spcBef>
+                <a:spcPct val="0"/>
+              </a:spcBef>
+            </a:pPr>
+            <a:r>
+              <a:rPr lang="en-US" sz="4803" b="1" dirty="0">
+                <a:solidFill>
+                  <a:srgbClr val="000000"/>
+                </a:solidFill>
+                <a:latin typeface="Montserrat Semi-Bold"/>
+                <a:ea typeface="Montserrat Semi-Bold"/>
+                <a:cs typeface="Montserrat Semi-Bold"/>
+                <a:sym typeface="Montserrat Semi-Bold"/>
+              </a:rPr>
+              <a:t>Genre Distribution:</a:t>
+            </a:r>
+          </a:p>
+        </p:txBody>
+      </p:sp>
+      <p:sp>
+        <p:nvSpPr>
+          <p:cNvPr id="8" name="TextBox 8"/>
+          <p:cNvSpPr txBox="1"/>
+          <p:nvPr/>
+        </p:nvSpPr>
+        <p:spPr>
+          <a:xfrm>
+            <a:off x="9914853" y="2859553"/>
+            <a:ext cx="8420098" cy="409575"/>
+          </a:xfrm>
+          <a:prstGeom prst="rect">
+            <a:avLst/>
+          </a:prstGeom>
+        </p:spPr>
+        <p:txBody>
+          <a:bodyPr lIns="0" tIns="0" rIns="0" bIns="0" rtlCol="0" anchor="t">
+            <a:spAutoFit/>
+          </a:bodyPr>
+          <a:lstStyle/>
           <a:p>
             <a:pPr algn="l">
               <a:lnSpc>
@@ -5535,111 +5588,14 @@
                 <a:cs typeface="Montserrat"/>
                 <a:sym typeface="Montserrat"/>
               </a:rPr>
-              <a:t>• Similar movies appear close together</a:t>
-            </a:r>
-          </a:p>
-        </p:txBody>
-      </p:sp>
-      <p:sp>
-        <p:nvSpPr>
-          <p:cNvPr name="TextBox 7" id="7"/>
-          <p:cNvSpPr txBox="true"/>
-          <p:nvPr/>
-        </p:nvSpPr>
-        <p:spPr>
-          <a:xfrm rot="0">
-            <a:off x="9914853" y="1874686"/>
-            <a:ext cx="5978203" cy="714375"/>
-          </a:xfrm>
-          <a:prstGeom prst="rect">
-            <a:avLst/>
-          </a:prstGeom>
-        </p:spPr>
-        <p:txBody>
-          <a:bodyPr anchor="t" rtlCol="false" tIns="0" lIns="0" bIns="0" rIns="0">
-            <a:spAutoFit/>
-          </a:bodyPr>
-          <a:lstStyle/>
-          <a:p>
-            <a:pPr algn="l">
-              <a:lnSpc>
-                <a:spcPts val="5764"/>
-              </a:lnSpc>
-              <a:spcBef>
-                <a:spcPct val="0"/>
-              </a:spcBef>
-            </a:pPr>
-            <a:r>
-              <a:rPr lang="en-US" b="true" sz="4803">
-                <a:solidFill>
-                  <a:srgbClr val="000000"/>
-                </a:solidFill>
-                <a:latin typeface="Montserrat Semi-Bold"/>
-                <a:ea typeface="Montserrat Semi-Bold"/>
-                <a:cs typeface="Montserrat Semi-Bold"/>
-                <a:sym typeface="Montserrat Semi-Bold"/>
-              </a:rPr>
-              <a:t>Genre Distribution:</a:t>
-            </a:r>
-          </a:p>
-        </p:txBody>
-      </p:sp>
-      <p:sp>
-        <p:nvSpPr>
-          <p:cNvPr name="TextBox 8" id="8"/>
-          <p:cNvSpPr txBox="true"/>
-          <p:nvPr/>
-        </p:nvSpPr>
-        <p:spPr>
-          <a:xfrm rot="0">
-            <a:off x="9914853" y="2859553"/>
-            <a:ext cx="8420098" cy="409575"/>
-          </a:xfrm>
-          <a:prstGeom prst="rect">
-            <a:avLst/>
-          </a:prstGeom>
-        </p:spPr>
-        <p:txBody>
-          <a:bodyPr anchor="t" rtlCol="false" tIns="0" lIns="0" bIns="0" rIns="0">
-            <a:spAutoFit/>
-          </a:bodyPr>
-          <a:lstStyle/>
-          <a:p>
-            <a:pPr algn="l">
-              <a:lnSpc>
-                <a:spcPts val="3242"/>
-              </a:lnSpc>
-            </a:pPr>
-            <a:r>
-              <a:rPr lang="en-US" sz="2702">
-                <a:solidFill>
-                  <a:srgbClr val="000000"/>
-                </a:solidFill>
-                <a:latin typeface="Montserrat"/>
-                <a:ea typeface="Montserrat"/>
-                <a:cs typeface="Montserrat"/>
-                <a:sym typeface="Montserrat"/>
-              </a:rPr>
-              <a:t>•</a:t>
-            </a:r>
-            <a:r>
-              <a:rPr lang="en-US" sz="2702">
-                <a:solidFill>
-                  <a:srgbClr val="000000"/>
-                </a:solidFill>
-                <a:latin typeface="Montserrat"/>
-                <a:ea typeface="Montserrat"/>
-                <a:cs typeface="Montserrat"/>
-                <a:sym typeface="Montserrat"/>
-              </a:rPr>
-              <a:t> Top genres: Drama, Comedy, Thriller, Action</a:t>
-            </a:r>
-          </a:p>
-        </p:txBody>
-      </p:sp>
-      <p:sp>
-        <p:nvSpPr>
-          <p:cNvPr name="AutoShape 9" id="9"/>
+              <a:t>• Top genres: Drama, Comedy, Thriller, Action</a:t>
+            </a:r>
+          </a:p>
+        </p:txBody>
+      </p:sp>
+      <p:sp>
+        <p:nvSpPr>
+          <p:cNvPr id="9" name="AutoShape 9"/>
           <p:cNvSpPr/>
           <p:nvPr/>
         </p:nvSpPr>
@@ -5651,13 +5607,13 @@
           <a:prstGeom prst="line">
             <a:avLst/>
           </a:prstGeom>
-          <a:ln cap="rnd" w="47625">
+          <a:ln w="47625" cap="rnd">
             <a:solidFill>
               <a:srgbClr val="000000"/>
             </a:solidFill>
             <a:prstDash val="solid"/>
-            <a:headEnd type="none" len="sm" w="sm"/>
-            <a:tailEnd type="none" len="sm" w="sm"/>
+            <a:headEnd type="none" w="sm" len="sm"/>
+            <a:tailEnd type="none" w="sm" len="sm"/>
           </a:ln>
         </p:spPr>
       </p:sp>
@@ -5670,7 +5626,7 @@
 </file>
 
 <file path=ppt/slides/slide8.xml><?xml version="1.0" encoding="utf-8"?>
-<p:sld xmlns:p="http://schemas.openxmlformats.org/presentationml/2006/main" xmlns:a="http://schemas.openxmlformats.org/drawingml/2006/main">
+<p:sld xmlns:a="http://schemas.openxmlformats.org/drawingml/2006/main" xmlns:r="http://schemas.openxmlformats.org/officeDocument/2006/relationships" xmlns:p="http://schemas.openxmlformats.org/presentationml/2006/main">
   <p:cSld>
     <p:spTree>
       <p:nvGrpSpPr>
@@ -5688,12 +5644,12 @@
       </p:grpSpPr>
       <p:sp>
         <p:nvSpPr>
-          <p:cNvPr name="TextBox 2" id="2"/>
-          <p:cNvSpPr txBox="true"/>
+          <p:cNvPr id="2" name="TextBox 2"/>
+          <p:cNvSpPr txBox="1"/>
           <p:nvPr/>
         </p:nvSpPr>
         <p:spPr>
-          <a:xfrm rot="0">
+          <a:xfrm>
             <a:off x="777773" y="457524"/>
             <a:ext cx="16746293" cy="828675"/>
           </a:xfrm>
@@ -5702,7 +5658,7 @@
           </a:prstGeom>
         </p:spPr>
         <p:txBody>
-          <a:bodyPr anchor="t" rtlCol="false" tIns="0" lIns="0" bIns="0" rIns="0">
+          <a:bodyPr lIns="0" tIns="0" rIns="0" bIns="0" rtlCol="0" anchor="t">
             <a:spAutoFit/>
           </a:bodyPr>
           <a:lstStyle/>
@@ -5713,7 +5669,7 @@
               </a:lnSpc>
             </a:pPr>
             <a:r>
-              <a:rPr lang="en-US" sz="5499" b="true">
+              <a:rPr lang="en-US" sz="5499" b="1">
                 <a:solidFill>
                   <a:srgbClr val="000000"/>
                 </a:solidFill>
@@ -5729,12 +5685,12 @@
       </p:sp>
       <p:sp>
         <p:nvSpPr>
-          <p:cNvPr name="TextBox 3" id="3"/>
-          <p:cNvSpPr txBox="true"/>
+          <p:cNvPr id="3" name="TextBox 3"/>
+          <p:cNvSpPr txBox="1"/>
           <p:nvPr/>
         </p:nvSpPr>
         <p:spPr>
-          <a:xfrm rot="0">
+          <a:xfrm>
             <a:off x="777773" y="2965337"/>
             <a:ext cx="6807250" cy="2047875"/>
           </a:xfrm>
@@ -5743,7 +5699,7 @@
           </a:prstGeom>
         </p:spPr>
         <p:txBody>
-          <a:bodyPr anchor="t" rtlCol="false" tIns="0" lIns="0" bIns="0" rIns="0">
+          <a:bodyPr lIns="0" tIns="0" rIns="0" bIns="0" rtlCol="0" anchor="t">
             <a:spAutoFit/>
           </a:bodyPr>
           <a:lstStyle/>
@@ -5846,26 +5802,26 @@
       </p:sp>
       <p:sp>
         <p:nvSpPr>
-          <p:cNvPr name="TextBox 4" id="4"/>
-          <p:cNvSpPr txBox="true"/>
+          <p:cNvPr id="4" name="TextBox 4"/>
+          <p:cNvSpPr txBox="1"/>
           <p:nvPr/>
         </p:nvSpPr>
         <p:spPr>
-          <a:xfrm rot="0">
+          <a:xfrm>
             <a:off x="837565" y="2016695"/>
-            <a:ext cx="6737077" cy="714375"/>
+            <a:ext cx="7925435" cy="714375"/>
           </a:xfrm>
           <a:prstGeom prst="rect">
             <a:avLst/>
           </a:prstGeom>
         </p:spPr>
         <p:txBody>
-          <a:bodyPr anchor="t" rtlCol="false" tIns="0" lIns="0" bIns="0" rIns="0">
+          <a:bodyPr wrap="square" lIns="0" tIns="0" rIns="0" bIns="0" rtlCol="0" anchor="t">
             <a:spAutoFit/>
           </a:bodyPr>
           <a:lstStyle/>
           <a:p>
-            <a:pPr algn="ctr">
+            <a:pPr>
               <a:lnSpc>
                 <a:spcPts val="5764"/>
               </a:lnSpc>
@@ -5874,7 +5830,7 @@
               </a:spcBef>
             </a:pPr>
             <a:r>
-              <a:rPr lang="en-US" b="true" sz="4803">
+              <a:rPr lang="en-US" sz="4803" b="1" dirty="0">
                 <a:solidFill>
                   <a:srgbClr val="000000"/>
                 </a:solidFill>
@@ -5890,26 +5846,26 @@
       </p:sp>
       <p:sp>
         <p:nvSpPr>
-          <p:cNvPr name="TextBox 5" id="5"/>
-          <p:cNvSpPr txBox="true"/>
+          <p:cNvPr id="5" name="TextBox 5"/>
+          <p:cNvSpPr txBox="1"/>
           <p:nvPr/>
         </p:nvSpPr>
         <p:spPr>
-          <a:xfrm rot="0">
+          <a:xfrm>
             <a:off x="846086" y="5789582"/>
-            <a:ext cx="6738938" cy="714375"/>
+            <a:ext cx="7002514" cy="710003"/>
           </a:xfrm>
           <a:prstGeom prst="rect">
             <a:avLst/>
           </a:prstGeom>
         </p:spPr>
         <p:txBody>
-          <a:bodyPr anchor="t" rtlCol="false" tIns="0" lIns="0" bIns="0" rIns="0">
+          <a:bodyPr wrap="square" lIns="0" tIns="0" rIns="0" bIns="0" rtlCol="0" anchor="t">
             <a:spAutoFit/>
           </a:bodyPr>
           <a:lstStyle/>
           <a:p>
-            <a:pPr algn="ctr">
+            <a:pPr>
               <a:lnSpc>
                 <a:spcPts val="5764"/>
               </a:lnSpc>
@@ -5918,7 +5874,7 @@
               </a:spcBef>
             </a:pPr>
             <a:r>
-              <a:rPr lang="en-US" b="true" sz="4803">
+              <a:rPr lang="en-US" sz="4803" b="1" dirty="0">
                 <a:solidFill>
                   <a:srgbClr val="000000"/>
                 </a:solidFill>
@@ -5934,12 +5890,12 @@
       </p:sp>
       <p:sp>
         <p:nvSpPr>
-          <p:cNvPr name="TextBox 6" id="6"/>
-          <p:cNvSpPr txBox="true"/>
+          <p:cNvPr id="6" name="TextBox 6"/>
+          <p:cNvSpPr txBox="1"/>
           <p:nvPr/>
         </p:nvSpPr>
         <p:spPr>
-          <a:xfrm rot="0">
+          <a:xfrm>
             <a:off x="777773" y="6742082"/>
             <a:ext cx="16746293" cy="1228725"/>
           </a:xfrm>
@@ -5948,7 +5904,7 @@
           </a:prstGeom>
         </p:spPr>
         <p:txBody>
-          <a:bodyPr anchor="t" rtlCol="false" tIns="0" lIns="0" bIns="0" rIns="0">
+          <a:bodyPr lIns="0" tIns="0" rIns="0" bIns="0" rtlCol="0" anchor="t">
             <a:spAutoFit/>
           </a:bodyPr>
           <a:lstStyle/>
@@ -6020,7 +5976,7 @@
 </file>
 
 <file path=ppt/slides/slide9.xml><?xml version="1.0" encoding="utf-8"?>
-<p:sld xmlns:p="http://schemas.openxmlformats.org/presentationml/2006/main" xmlns:a="http://schemas.openxmlformats.org/drawingml/2006/main">
+<p:sld xmlns:a="http://schemas.openxmlformats.org/drawingml/2006/main" xmlns:r="http://schemas.openxmlformats.org/officeDocument/2006/relationships" xmlns:p="http://schemas.openxmlformats.org/presentationml/2006/main">
   <p:cSld>
     <p:spTree>
       <p:nvGrpSpPr>
@@ -6038,12 +5994,12 @@
       </p:grpSpPr>
       <p:sp>
         <p:nvSpPr>
-          <p:cNvPr name="TextBox 2" id="2"/>
-          <p:cNvSpPr txBox="true"/>
+          <p:cNvPr id="2" name="TextBox 2"/>
+          <p:cNvSpPr txBox="1"/>
           <p:nvPr/>
         </p:nvSpPr>
         <p:spPr>
-          <a:xfrm rot="0">
+          <a:xfrm>
             <a:off x="777773" y="457524"/>
             <a:ext cx="16746293" cy="828675"/>
           </a:xfrm>
@@ -6052,7 +6008,7 @@
           </a:prstGeom>
         </p:spPr>
         <p:txBody>
-          <a:bodyPr anchor="t" rtlCol="false" tIns="0" lIns="0" bIns="0" rIns="0">
+          <a:bodyPr lIns="0" tIns="0" rIns="0" bIns="0" rtlCol="0" anchor="t">
             <a:spAutoFit/>
           </a:bodyPr>
           <a:lstStyle/>
@@ -6063,7 +6019,7 @@
               </a:lnSpc>
             </a:pPr>
             <a:r>
-              <a:rPr lang="en-US" sz="5499" b="true">
+              <a:rPr lang="en-US" sz="5499" b="1">
                 <a:solidFill>
                   <a:srgbClr val="000000"/>
                 </a:solidFill>
@@ -6072,31 +6028,19 @@
                 <a:cs typeface="Montserrat Bold"/>
                 <a:sym typeface="Montserrat Bold"/>
               </a:rPr>
-              <a:t>K</a:t>
-            </a:r>
-            <a:r>
-              <a:rPr lang="en-US" sz="5499" b="true">
-                <a:solidFill>
-                  <a:srgbClr val="000000"/>
-                </a:solidFill>
-                <a:latin typeface="Montserrat Bold"/>
-                <a:ea typeface="Montserrat Bold"/>
-                <a:cs typeface="Montserrat Bold"/>
-                <a:sym typeface="Montserrat Bold"/>
-              </a:rPr>
-              <a:t>ey Learnings</a:t>
-            </a:r>
-          </a:p>
-        </p:txBody>
-      </p:sp>
-      <p:sp>
-        <p:nvSpPr>
-          <p:cNvPr name="TextBox 3" id="3"/>
-          <p:cNvSpPr txBox="true"/>
+              <a:t>Key Learnings</a:t>
+            </a:r>
+          </a:p>
+        </p:txBody>
+      </p:sp>
+      <p:sp>
+        <p:nvSpPr>
+          <p:cNvPr id="3" name="TextBox 3"/>
+          <p:cNvSpPr txBox="1"/>
           <p:nvPr/>
         </p:nvSpPr>
         <p:spPr>
-          <a:xfrm rot="0">
+          <a:xfrm>
             <a:off x="777773" y="2965337"/>
             <a:ext cx="16746293" cy="1228725"/>
           </a:xfrm>
@@ -6105,7 +6049,7 @@
           </a:prstGeom>
         </p:spPr>
         <p:txBody>
-          <a:bodyPr anchor="t" rtlCol="false" tIns="0" lIns="0" bIns="0" rIns="0">
+          <a:bodyPr lIns="0" tIns="0" rIns="0" bIns="0" rtlCol="0" anchor="t">
             <a:spAutoFit/>
           </a:bodyPr>
           <a:lstStyle/>
@@ -6170,21 +6114,21 @@
       </p:sp>
       <p:sp>
         <p:nvSpPr>
-          <p:cNvPr name="TextBox 4" id="4"/>
-          <p:cNvSpPr txBox="true"/>
+          <p:cNvPr id="4" name="TextBox 4"/>
+          <p:cNvSpPr txBox="1"/>
           <p:nvPr/>
         </p:nvSpPr>
         <p:spPr>
-          <a:xfrm rot="0">
+          <a:xfrm>
             <a:off x="837565" y="2016695"/>
-            <a:ext cx="7312447" cy="714375"/>
+            <a:ext cx="7773035" cy="714375"/>
           </a:xfrm>
           <a:prstGeom prst="rect">
             <a:avLst/>
           </a:prstGeom>
         </p:spPr>
         <p:txBody>
-          <a:bodyPr anchor="t" rtlCol="false" tIns="0" lIns="0" bIns="0" rIns="0">
+          <a:bodyPr wrap="square" lIns="0" tIns="0" rIns="0" bIns="0" rtlCol="0" anchor="t">
             <a:spAutoFit/>
           </a:bodyPr>
           <a:lstStyle/>
@@ -6198,7 +6142,7 @@
               </a:spcBef>
             </a:pPr>
             <a:r>
-              <a:rPr lang="en-US" b="true" sz="4803">
+              <a:rPr lang="en-US" sz="4803" b="1" dirty="0">
                 <a:solidFill>
                   <a:srgbClr val="000000"/>
                 </a:solidFill>
@@ -6207,10 +6151,42 @@
                 <a:cs typeface="Montserrat Semi-Bold"/>
                 <a:sym typeface="Montserrat Semi-Bold"/>
               </a:rPr>
-              <a:t>T</a:t>
-            </a:r>
-            <a:r>
-              <a:rPr lang="en-US" b="true" sz="4803">
+              <a:t>Technical Skills Gained:</a:t>
+            </a:r>
+          </a:p>
+        </p:txBody>
+      </p:sp>
+      <p:sp>
+        <p:nvSpPr>
+          <p:cNvPr id="5" name="TextBox 5"/>
+          <p:cNvSpPr txBox="1"/>
+          <p:nvPr/>
+        </p:nvSpPr>
+        <p:spPr>
+          <a:xfrm>
+            <a:off x="839166" y="5023228"/>
+            <a:ext cx="8533434" cy="714375"/>
+          </a:xfrm>
+          <a:prstGeom prst="rect">
+            <a:avLst/>
+          </a:prstGeom>
+        </p:spPr>
+        <p:txBody>
+          <a:bodyPr wrap="square" lIns="0" tIns="0" rIns="0" bIns="0" rtlCol="0" anchor="t">
+            <a:spAutoFit/>
+          </a:bodyPr>
+          <a:lstStyle/>
+          <a:p>
+            <a:pPr algn="l">
+              <a:lnSpc>
+                <a:spcPts val="5764"/>
+              </a:lnSpc>
+              <a:spcBef>
+                <a:spcPct val="0"/>
+              </a:spcBef>
+            </a:pPr>
+            <a:r>
+              <a:rPr lang="en-US" sz="4803" b="1" dirty="0">
                 <a:solidFill>
                   <a:srgbClr val="000000"/>
                 </a:solidFill>
@@ -6219,84 +6195,28 @@
                 <a:cs typeface="Montserrat Semi-Bold"/>
                 <a:sym typeface="Montserrat Semi-Bold"/>
               </a:rPr>
-              <a:t>echnical Skills Gained:</a:t>
-            </a:r>
-          </a:p>
-        </p:txBody>
-      </p:sp>
-      <p:sp>
-        <p:nvSpPr>
-          <p:cNvPr name="TextBox 5" id="5"/>
-          <p:cNvSpPr txBox="true"/>
+              <a:t>Challenges &amp; Solutions:</a:t>
+            </a:r>
+          </a:p>
+        </p:txBody>
+      </p:sp>
+      <p:sp>
+        <p:nvSpPr>
+          <p:cNvPr id="6" name="TextBox 6"/>
+          <p:cNvSpPr txBox="1"/>
           <p:nvPr/>
         </p:nvSpPr>
         <p:spPr>
-          <a:xfrm rot="0">
-            <a:off x="839166" y="5023228"/>
-            <a:ext cx="7347793" cy="714375"/>
+          <a:xfrm>
+            <a:off x="770853" y="5975728"/>
+            <a:ext cx="16746293" cy="1228725"/>
           </a:xfrm>
           <a:prstGeom prst="rect">
             <a:avLst/>
           </a:prstGeom>
         </p:spPr>
         <p:txBody>
-          <a:bodyPr anchor="t" rtlCol="false" tIns="0" lIns="0" bIns="0" rIns="0">
-            <a:spAutoFit/>
-          </a:bodyPr>
-          <a:lstStyle/>
-          <a:p>
-            <a:pPr algn="l">
-              <a:lnSpc>
-                <a:spcPts val="5764"/>
-              </a:lnSpc>
-              <a:spcBef>
-                <a:spcPct val="0"/>
-              </a:spcBef>
-            </a:pPr>
-            <a:r>
-              <a:rPr lang="en-US" b="true" sz="4803">
-                <a:solidFill>
-                  <a:srgbClr val="000000"/>
-                </a:solidFill>
-                <a:latin typeface="Montserrat Semi-Bold"/>
-                <a:ea typeface="Montserrat Semi-Bold"/>
-                <a:cs typeface="Montserrat Semi-Bold"/>
-                <a:sym typeface="Montserrat Semi-Bold"/>
-              </a:rPr>
-              <a:t>Ch</a:t>
-            </a:r>
-            <a:r>
-              <a:rPr lang="en-US" b="true" sz="4803">
-                <a:solidFill>
-                  <a:srgbClr val="000000"/>
-                </a:solidFill>
-                <a:latin typeface="Montserrat Semi-Bold"/>
-                <a:ea typeface="Montserrat Semi-Bold"/>
-                <a:cs typeface="Montserrat Semi-Bold"/>
-                <a:sym typeface="Montserrat Semi-Bold"/>
-              </a:rPr>
-              <a:t>allenges &amp; Solutions:</a:t>
-            </a:r>
-          </a:p>
-        </p:txBody>
-      </p:sp>
-      <p:sp>
-        <p:nvSpPr>
-          <p:cNvPr name="TextBox 6" id="6"/>
-          <p:cNvSpPr txBox="true"/>
-          <p:nvPr/>
-        </p:nvSpPr>
-        <p:spPr>
-          <a:xfrm rot="0">
-            <a:off x="770853" y="5975728"/>
-            <a:ext cx="16746293" cy="1228725"/>
-          </a:xfrm>
-          <a:prstGeom prst="rect">
-            <a:avLst/>
-          </a:prstGeom>
-        </p:spPr>
-        <p:txBody>
-          <a:bodyPr anchor="t" rtlCol="false" tIns="0" lIns="0" bIns="0" rIns="0">
+          <a:bodyPr lIns="0" tIns="0" rIns="0" bIns="0" rtlCol="0" anchor="t">
             <a:spAutoFit/>
           </a:bodyPr>
           <a:lstStyle/>
